--- a/Anforderungen/Zwischenpräsentation.pptx
+++ b/Anforderungen/Zwischenpräsentation.pptx
@@ -8,9 +8,13 @@
     <p:sldId id="256" r:id="rId2"/>
     <p:sldId id="257" r:id="rId3"/>
     <p:sldId id="258" r:id="rId4"/>
-    <p:sldId id="259" r:id="rId5"/>
-    <p:sldId id="260" r:id="rId6"/>
-    <p:sldId id="261" r:id="rId7"/>
+    <p:sldId id="265" r:id="rId5"/>
+    <p:sldId id="259" r:id="rId6"/>
+    <p:sldId id="262" r:id="rId7"/>
+    <p:sldId id="263" r:id="rId8"/>
+    <p:sldId id="264" r:id="rId9"/>
+    <p:sldId id="260" r:id="rId10"/>
+    <p:sldId id="261" r:id="rId11"/>
   </p:sldIdLst>
   <p:sldSz cx="20167600" cy="15125700"/>
   <p:notesSz cx="10693400" cy="15125700"/>
@@ -185,7 +189,7 @@
           <a:noFill/>
           <a:extLst>
             <a:ext uri="{909E8E84-426E-40dd-AFC4-6F175D3DCCD1}">
-              <a14:hiddenFill xmlns="" xmlns:a14="http://schemas.microsoft.com/office/drawing/2010/main">
+              <a14:hiddenFill xmlns:a14="http://schemas.microsoft.com/office/drawing/2010/main" xmlns="">
                 <a:solidFill>
                   <a:srgbClr val="FFFFFF"/>
                 </a:solidFill>
@@ -245,7 +249,7 @@
             </a:ln>
             <a:extLst>
               <a:ext uri="{91240B29-F687-4f45-9708-019B960494DF}">
-                <a14:hiddenLine xmlns="" xmlns:a14="http://schemas.microsoft.com/office/drawing/2010/main" w="9525">
+                <a14:hiddenLine xmlns:a14="http://schemas.microsoft.com/office/drawing/2010/main" xmlns="" w="9525">
                   <a:solidFill>
                     <a:srgbClr val="000000"/>
                   </a:solidFill>
@@ -335,7 +339,7 @@
             </a:ln>
             <a:extLst>
               <a:ext uri="{91240B29-F687-4f45-9708-019B960494DF}">
-                <a14:hiddenLine xmlns="" xmlns:a14="http://schemas.microsoft.com/office/drawing/2010/main" w="9525">
+                <a14:hiddenLine xmlns:a14="http://schemas.microsoft.com/office/drawing/2010/main" xmlns="" w="9525">
                   <a:solidFill>
                     <a:srgbClr val="000000"/>
                   </a:solidFill>
@@ -425,7 +429,7 @@
             </a:ln>
             <a:extLst>
               <a:ext uri="{91240B29-F687-4f45-9708-019B960494DF}">
-                <a14:hiddenLine xmlns="" xmlns:a14="http://schemas.microsoft.com/office/drawing/2010/main" w="9525">
+                <a14:hiddenLine xmlns:a14="http://schemas.microsoft.com/office/drawing/2010/main" xmlns="" w="9525">
                   <a:solidFill>
                     <a:srgbClr val="000000"/>
                   </a:solidFill>
@@ -459,7 +463,7 @@
             </a:ln>
             <a:extLst>
               <a:ext uri="{91240B29-F687-4f45-9708-019B960494DF}">
-                <a14:hiddenLine xmlns="" xmlns:a14="http://schemas.microsoft.com/office/drawing/2010/main" w="9525">
+                <a14:hiddenLine xmlns:a14="http://schemas.microsoft.com/office/drawing/2010/main" xmlns="" w="9525">
                   <a:solidFill>
                     <a:srgbClr val="000000"/>
                   </a:solidFill>
@@ -549,7 +553,7 @@
             </a:ln>
             <a:extLst>
               <a:ext uri="{91240B29-F687-4f45-9708-019B960494DF}">
-                <a14:hiddenLine xmlns="" xmlns:a14="http://schemas.microsoft.com/office/drawing/2010/main" w="9525">
+                <a14:hiddenLine xmlns:a14="http://schemas.microsoft.com/office/drawing/2010/main" xmlns="" w="9525">
                   <a:solidFill>
                     <a:srgbClr val="000000"/>
                   </a:solidFill>
@@ -611,7 +615,7 @@
             </a:ln>
             <a:extLst>
               <a:ext uri="{91240B29-F687-4f45-9708-019B960494DF}">
-                <a14:hiddenLine xmlns="" xmlns:a14="http://schemas.microsoft.com/office/drawing/2010/main" w="9525">
+                <a14:hiddenLine xmlns:a14="http://schemas.microsoft.com/office/drawing/2010/main" xmlns="" w="9525">
                   <a:solidFill>
                     <a:srgbClr val="000000"/>
                   </a:solidFill>
@@ -673,7 +677,7 @@
             </a:ln>
             <a:extLst>
               <a:ext uri="{91240B29-F687-4f45-9708-019B960494DF}">
-                <a14:hiddenLine xmlns="" xmlns:a14="http://schemas.microsoft.com/office/drawing/2010/main" w="9525">
+                <a14:hiddenLine xmlns:a14="http://schemas.microsoft.com/office/drawing/2010/main" xmlns="" w="9525">
                   <a:solidFill>
                     <a:srgbClr val="000000"/>
                   </a:solidFill>
@@ -763,7 +767,7 @@
             </a:ln>
             <a:extLst>
               <a:ext uri="{91240B29-F687-4f45-9708-019B960494DF}">
-                <a14:hiddenLine xmlns="" xmlns:a14="http://schemas.microsoft.com/office/drawing/2010/main" w="9525">
+                <a14:hiddenLine xmlns:a14="http://schemas.microsoft.com/office/drawing/2010/main" xmlns="" w="9525">
                   <a:solidFill>
                     <a:srgbClr val="000000"/>
                   </a:solidFill>
@@ -825,7 +829,7 @@
             </a:ln>
             <a:extLst>
               <a:ext uri="{91240B29-F687-4f45-9708-019B960494DF}">
-                <a14:hiddenLine xmlns="" xmlns:a14="http://schemas.microsoft.com/office/drawing/2010/main" w="9525">
+                <a14:hiddenLine xmlns:a14="http://schemas.microsoft.com/office/drawing/2010/main" xmlns="" w="9525">
                   <a:solidFill>
                     <a:srgbClr val="000000"/>
                   </a:solidFill>
@@ -887,7 +891,7 @@
             </a:ln>
             <a:extLst>
               <a:ext uri="{91240B29-F687-4f45-9708-019B960494DF}">
-                <a14:hiddenLine xmlns="" xmlns:a14="http://schemas.microsoft.com/office/drawing/2010/main" w="9525">
+                <a14:hiddenLine xmlns:a14="http://schemas.microsoft.com/office/drawing/2010/main" xmlns="" w="9525">
                   <a:solidFill>
                     <a:srgbClr val="000000"/>
                   </a:solidFill>
@@ -977,7 +981,7 @@
             </a:ln>
             <a:extLst>
               <a:ext uri="{91240B29-F687-4f45-9708-019B960494DF}">
-                <a14:hiddenLine xmlns="" xmlns:a14="http://schemas.microsoft.com/office/drawing/2010/main" w="9525">
+                <a14:hiddenLine xmlns:a14="http://schemas.microsoft.com/office/drawing/2010/main" xmlns="" w="9525">
                   <a:solidFill>
                     <a:srgbClr val="000000"/>
                   </a:solidFill>
@@ -1067,7 +1071,7 @@
             </a:ln>
             <a:extLst>
               <a:ext uri="{91240B29-F687-4f45-9708-019B960494DF}">
-                <a14:hiddenLine xmlns="" xmlns:a14="http://schemas.microsoft.com/office/drawing/2010/main" w="9525">
+                <a14:hiddenLine xmlns:a14="http://schemas.microsoft.com/office/drawing/2010/main" xmlns="" w="9525">
                   <a:solidFill>
                     <a:srgbClr val="000000"/>
                   </a:solidFill>
@@ -1129,7 +1133,7 @@
             </a:ln>
             <a:extLst>
               <a:ext uri="{91240B29-F687-4f45-9708-019B960494DF}">
-                <a14:hiddenLine xmlns="" xmlns:a14="http://schemas.microsoft.com/office/drawing/2010/main" w="9525">
+                <a14:hiddenLine xmlns:a14="http://schemas.microsoft.com/office/drawing/2010/main" xmlns="" w="9525">
                   <a:solidFill>
                     <a:srgbClr val="000000"/>
                   </a:solidFill>
@@ -1239,7 +1243,7 @@
             </a:ln>
             <a:extLst>
               <a:ext uri="{91240B29-F687-4f45-9708-019B960494DF}">
-                <a14:hiddenLine xmlns="" xmlns:a14="http://schemas.microsoft.com/office/drawing/2010/main" w="9525">
+                <a14:hiddenLine xmlns:a14="http://schemas.microsoft.com/office/drawing/2010/main" xmlns="" w="9525">
                   <a:solidFill>
                     <a:srgbClr val="000000"/>
                   </a:solidFill>
@@ -1301,7 +1305,7 @@
             </a:ln>
             <a:extLst>
               <a:ext uri="{91240B29-F687-4f45-9708-019B960494DF}">
-                <a14:hiddenLine xmlns="" xmlns:a14="http://schemas.microsoft.com/office/drawing/2010/main" w="9525">
+                <a14:hiddenLine xmlns:a14="http://schemas.microsoft.com/office/drawing/2010/main" xmlns="" w="9525">
                   <a:solidFill>
                     <a:srgbClr val="000000"/>
                   </a:solidFill>
@@ -1391,7 +1395,7 @@
             </a:ln>
             <a:extLst>
               <a:ext uri="{91240B29-F687-4f45-9708-019B960494DF}">
-                <a14:hiddenLine xmlns="" xmlns:a14="http://schemas.microsoft.com/office/drawing/2010/main" w="9525">
+                <a14:hiddenLine xmlns:a14="http://schemas.microsoft.com/office/drawing/2010/main" xmlns="" w="9525">
                   <a:solidFill>
                     <a:srgbClr val="000000"/>
                   </a:solidFill>
@@ -1481,7 +1485,7 @@
             </a:ln>
             <a:extLst>
               <a:ext uri="{91240B29-F687-4f45-9708-019B960494DF}">
-                <a14:hiddenLine xmlns="" xmlns:a14="http://schemas.microsoft.com/office/drawing/2010/main" w="9525">
+                <a14:hiddenLine xmlns:a14="http://schemas.microsoft.com/office/drawing/2010/main" xmlns="" w="9525">
                   <a:solidFill>
                     <a:srgbClr val="000000"/>
                   </a:solidFill>
@@ -1543,7 +1547,7 @@
             </a:ln>
             <a:extLst>
               <a:ext uri="{91240B29-F687-4f45-9708-019B960494DF}">
-                <a14:hiddenLine xmlns="" xmlns:a14="http://schemas.microsoft.com/office/drawing/2010/main" w="9525">
+                <a14:hiddenLine xmlns:a14="http://schemas.microsoft.com/office/drawing/2010/main" xmlns="" w="9525">
                   <a:solidFill>
                     <a:srgbClr val="000000"/>
                   </a:solidFill>
@@ -1633,7 +1637,7 @@
             </a:ln>
             <a:extLst>
               <a:ext uri="{91240B29-F687-4f45-9708-019B960494DF}">
-                <a14:hiddenLine xmlns="" xmlns:a14="http://schemas.microsoft.com/office/drawing/2010/main" w="9525">
+                <a14:hiddenLine xmlns:a14="http://schemas.microsoft.com/office/drawing/2010/main" xmlns="" w="9525">
                   <a:solidFill>
                     <a:srgbClr val="000000"/>
                   </a:solidFill>
@@ -1723,7 +1727,7 @@
             </a:ln>
             <a:extLst>
               <a:ext uri="{91240B29-F687-4f45-9708-019B960494DF}">
-                <a14:hiddenLine xmlns="" xmlns:a14="http://schemas.microsoft.com/office/drawing/2010/main" w="9525">
+                <a14:hiddenLine xmlns:a14="http://schemas.microsoft.com/office/drawing/2010/main" xmlns="" w="9525">
                   <a:solidFill>
                     <a:srgbClr val="000000"/>
                   </a:solidFill>
@@ -1779,7 +1783,7 @@
             </a:ln>
             <a:extLst>
               <a:ext uri="{91240B29-F687-4f45-9708-019B960494DF}">
-                <a14:hiddenLine xmlns="" xmlns:a14="http://schemas.microsoft.com/office/drawing/2010/main" w="9525">
+                <a14:hiddenLine xmlns:a14="http://schemas.microsoft.com/office/drawing/2010/main" xmlns="" w="9525">
                   <a:solidFill>
                     <a:srgbClr val="000000"/>
                   </a:solidFill>
@@ -1869,7 +1873,7 @@
             </a:ln>
             <a:extLst>
               <a:ext uri="{91240B29-F687-4f45-9708-019B960494DF}">
-                <a14:hiddenLine xmlns="" xmlns:a14="http://schemas.microsoft.com/office/drawing/2010/main" w="9525">
+                <a14:hiddenLine xmlns:a14="http://schemas.microsoft.com/office/drawing/2010/main" xmlns="" w="9525">
                   <a:solidFill>
                     <a:srgbClr val="000000"/>
                   </a:solidFill>
@@ -1925,7 +1929,7 @@
             </a:ln>
             <a:extLst>
               <a:ext uri="{91240B29-F687-4f45-9708-019B960494DF}">
-                <a14:hiddenLine xmlns="" xmlns:a14="http://schemas.microsoft.com/office/drawing/2010/main" w="9525">
+                <a14:hiddenLine xmlns:a14="http://schemas.microsoft.com/office/drawing/2010/main" xmlns="" w="9525">
                   <a:solidFill>
                     <a:srgbClr val="000000"/>
                   </a:solidFill>
@@ -2015,7 +2019,7 @@
             </a:ln>
             <a:extLst>
               <a:ext uri="{91240B29-F687-4f45-9708-019B960494DF}">
-                <a14:hiddenLine xmlns="" xmlns:a14="http://schemas.microsoft.com/office/drawing/2010/main" w="9525">
+                <a14:hiddenLine xmlns:a14="http://schemas.microsoft.com/office/drawing/2010/main" xmlns="" w="9525">
                   <a:solidFill>
                     <a:srgbClr val="000000"/>
                   </a:solidFill>
@@ -2083,7 +2087,7 @@
             </a:ln>
             <a:extLst>
               <a:ext uri="{91240B29-F687-4f45-9708-019B960494DF}">
-                <a14:hiddenLine xmlns="" xmlns:a14="http://schemas.microsoft.com/office/drawing/2010/main" w="9525">
+                <a14:hiddenLine xmlns:a14="http://schemas.microsoft.com/office/drawing/2010/main" xmlns="" w="9525">
                   <a:solidFill>
                     <a:srgbClr val="000000"/>
                   </a:solidFill>
@@ -2173,7 +2177,7 @@
             </a:ln>
             <a:extLst>
               <a:ext uri="{91240B29-F687-4f45-9708-019B960494DF}">
-                <a14:hiddenLine xmlns="" xmlns:a14="http://schemas.microsoft.com/office/drawing/2010/main" w="9525">
+                <a14:hiddenLine xmlns:a14="http://schemas.microsoft.com/office/drawing/2010/main" xmlns="" w="9525">
                   <a:solidFill>
                     <a:srgbClr val="000000"/>
                   </a:solidFill>
@@ -2241,7 +2245,7 @@
             </a:ln>
             <a:extLst>
               <a:ext uri="{91240B29-F687-4f45-9708-019B960494DF}">
-                <a14:hiddenLine xmlns="" xmlns:a14="http://schemas.microsoft.com/office/drawing/2010/main" w="9525">
+                <a14:hiddenLine xmlns:a14="http://schemas.microsoft.com/office/drawing/2010/main" xmlns="" w="9525">
                   <a:solidFill>
                     <a:srgbClr val="000000"/>
                   </a:solidFill>
@@ -2331,7 +2335,7 @@
             </a:ln>
             <a:extLst>
               <a:ext uri="{91240B29-F687-4f45-9708-019B960494DF}">
-                <a14:hiddenLine xmlns="" xmlns:a14="http://schemas.microsoft.com/office/drawing/2010/main" w="9525">
+                <a14:hiddenLine xmlns:a14="http://schemas.microsoft.com/office/drawing/2010/main" xmlns="" w="9525">
                   <a:solidFill>
                     <a:srgbClr val="000000"/>
                   </a:solidFill>
@@ -2365,7 +2369,7 @@
             </a:ln>
             <a:extLst>
               <a:ext uri="{91240B29-F687-4f45-9708-019B960494DF}">
-                <a14:hiddenLine xmlns="" xmlns:a14="http://schemas.microsoft.com/office/drawing/2010/main" w="9525">
+                <a14:hiddenLine xmlns:a14="http://schemas.microsoft.com/office/drawing/2010/main" xmlns="" w="9525">
                   <a:solidFill>
                     <a:srgbClr val="000000"/>
                   </a:solidFill>
@@ -2455,7 +2459,7 @@
             </a:ln>
             <a:extLst>
               <a:ext uri="{91240B29-F687-4f45-9708-019B960494DF}">
-                <a14:hiddenLine xmlns="" xmlns:a14="http://schemas.microsoft.com/office/drawing/2010/main" w="9525">
+                <a14:hiddenLine xmlns:a14="http://schemas.microsoft.com/office/drawing/2010/main" xmlns="" w="9525">
                   <a:solidFill>
                     <a:srgbClr val="000000"/>
                   </a:solidFill>
@@ -2517,7 +2521,7 @@
             </a:ln>
             <a:extLst>
               <a:ext uri="{91240B29-F687-4f45-9708-019B960494DF}">
-                <a14:hiddenLine xmlns="" xmlns:a14="http://schemas.microsoft.com/office/drawing/2010/main" w="9525">
+                <a14:hiddenLine xmlns:a14="http://schemas.microsoft.com/office/drawing/2010/main" xmlns="" w="9525">
                   <a:solidFill>
                     <a:srgbClr val="000000"/>
                   </a:solidFill>
@@ -2579,7 +2583,7 @@
             </a:ln>
             <a:extLst>
               <a:ext uri="{91240B29-F687-4f45-9708-019B960494DF}">
-                <a14:hiddenLine xmlns="" xmlns:a14="http://schemas.microsoft.com/office/drawing/2010/main" w="9525">
+                <a14:hiddenLine xmlns:a14="http://schemas.microsoft.com/office/drawing/2010/main" xmlns="" w="9525">
                   <a:solidFill>
                     <a:srgbClr val="000000"/>
                   </a:solidFill>
@@ -2669,7 +2673,7 @@
             </a:ln>
             <a:extLst>
               <a:ext uri="{91240B29-F687-4f45-9708-019B960494DF}">
-                <a14:hiddenLine xmlns="" xmlns:a14="http://schemas.microsoft.com/office/drawing/2010/main" w="9525">
+                <a14:hiddenLine xmlns:a14="http://schemas.microsoft.com/office/drawing/2010/main" xmlns="" w="9525">
                   <a:solidFill>
                     <a:srgbClr val="000000"/>
                   </a:solidFill>
@@ -2737,7 +2741,7 @@
             </a:ln>
             <a:extLst>
               <a:ext uri="{91240B29-F687-4f45-9708-019B960494DF}">
-                <a14:hiddenLine xmlns="" xmlns:a14="http://schemas.microsoft.com/office/drawing/2010/main" w="9525">
+                <a14:hiddenLine xmlns:a14="http://schemas.microsoft.com/office/drawing/2010/main" xmlns="" w="9525">
                   <a:solidFill>
                     <a:srgbClr val="000000"/>
                   </a:solidFill>
@@ -2799,7 +2803,7 @@
             </a:ln>
             <a:extLst>
               <a:ext uri="{91240B29-F687-4f45-9708-019B960494DF}">
-                <a14:hiddenLine xmlns="" xmlns:a14="http://schemas.microsoft.com/office/drawing/2010/main" w="9525">
+                <a14:hiddenLine xmlns:a14="http://schemas.microsoft.com/office/drawing/2010/main" xmlns="" w="9525">
                   <a:solidFill>
                     <a:srgbClr val="000000"/>
                   </a:solidFill>
@@ -2889,7 +2893,7 @@
             </a:ln>
             <a:extLst>
               <a:ext uri="{91240B29-F687-4f45-9708-019B960494DF}">
-                <a14:hiddenLine xmlns="" xmlns:a14="http://schemas.microsoft.com/office/drawing/2010/main" w="9525">
+                <a14:hiddenLine xmlns:a14="http://schemas.microsoft.com/office/drawing/2010/main" xmlns="" w="9525">
                   <a:solidFill>
                     <a:srgbClr val="000000"/>
                   </a:solidFill>
@@ -2951,7 +2955,7 @@
             </a:ln>
             <a:extLst>
               <a:ext uri="{91240B29-F687-4f45-9708-019B960494DF}">
-                <a14:hiddenLine xmlns="" xmlns:a14="http://schemas.microsoft.com/office/drawing/2010/main" w="9525">
+                <a14:hiddenLine xmlns:a14="http://schemas.microsoft.com/office/drawing/2010/main" xmlns="" w="9525">
                   <a:solidFill>
                     <a:srgbClr val="000000"/>
                   </a:solidFill>
@@ -3041,7 +3045,7 @@
             </a:ln>
             <a:extLst>
               <a:ext uri="{91240B29-F687-4f45-9708-019B960494DF}">
-                <a14:hiddenLine xmlns="" xmlns:a14="http://schemas.microsoft.com/office/drawing/2010/main" w="9525">
+                <a14:hiddenLine xmlns:a14="http://schemas.microsoft.com/office/drawing/2010/main" xmlns="" w="9525">
                   <a:solidFill>
                     <a:srgbClr val="000000"/>
                   </a:solidFill>
@@ -3103,7 +3107,7 @@
             </a:ln>
             <a:extLst>
               <a:ext uri="{91240B29-F687-4f45-9708-019B960494DF}">
-                <a14:hiddenLine xmlns="" xmlns:a14="http://schemas.microsoft.com/office/drawing/2010/main" w="9525">
+                <a14:hiddenLine xmlns:a14="http://schemas.microsoft.com/office/drawing/2010/main" xmlns="" w="9525">
                   <a:solidFill>
                     <a:srgbClr val="000000"/>
                   </a:solidFill>
@@ -3193,7 +3197,7 @@
             </a:ln>
             <a:extLst>
               <a:ext uri="{91240B29-F687-4f45-9708-019B960494DF}">
-                <a14:hiddenLine xmlns="" xmlns:a14="http://schemas.microsoft.com/office/drawing/2010/main" w="9525">
+                <a14:hiddenLine xmlns:a14="http://schemas.microsoft.com/office/drawing/2010/main" xmlns="" w="9525">
                   <a:solidFill>
                     <a:srgbClr val="000000"/>
                   </a:solidFill>
@@ -3227,7 +3231,7 @@
             </a:ln>
             <a:extLst>
               <a:ext uri="{91240B29-F687-4f45-9708-019B960494DF}">
-                <a14:hiddenLine xmlns="" xmlns:a14="http://schemas.microsoft.com/office/drawing/2010/main" w="9525">
+                <a14:hiddenLine xmlns:a14="http://schemas.microsoft.com/office/drawing/2010/main" xmlns="" w="9525">
                   <a:solidFill>
                     <a:srgbClr val="000000"/>
                   </a:solidFill>
@@ -3292,7 +3296,7 @@
             </a:ln>
             <a:extLst>
               <a:ext uri="{91240B29-F687-4f45-9708-019B960494DF}">
-                <a14:hiddenLine xmlns="" xmlns:a14="http://schemas.microsoft.com/office/drawing/2010/main" w="9525">
+                <a14:hiddenLine xmlns:a14="http://schemas.microsoft.com/office/drawing/2010/main" xmlns="" w="9525">
                   <a:solidFill>
                     <a:srgbClr val="000000"/>
                   </a:solidFill>
@@ -3382,7 +3386,7 @@
             </a:ln>
             <a:extLst>
               <a:ext uri="{91240B29-F687-4f45-9708-019B960494DF}">
-                <a14:hiddenLine xmlns="" xmlns:a14="http://schemas.microsoft.com/office/drawing/2010/main" w="9525">
+                <a14:hiddenLine xmlns:a14="http://schemas.microsoft.com/office/drawing/2010/main" xmlns="" w="9525">
                   <a:solidFill>
                     <a:srgbClr val="000000"/>
                   </a:solidFill>
@@ -3444,7 +3448,7 @@
             </a:ln>
             <a:extLst>
               <a:ext uri="{91240B29-F687-4f45-9708-019B960494DF}">
-                <a14:hiddenLine xmlns="" xmlns:a14="http://schemas.microsoft.com/office/drawing/2010/main" w="9525">
+                <a14:hiddenLine xmlns:a14="http://schemas.microsoft.com/office/drawing/2010/main" xmlns="" w="9525">
                   <a:solidFill>
                     <a:srgbClr val="000000"/>
                   </a:solidFill>
@@ -3534,7 +3538,7 @@
             </a:ln>
             <a:extLst>
               <a:ext uri="{91240B29-F687-4f45-9708-019B960494DF}">
-                <a14:hiddenLine xmlns="" xmlns:a14="http://schemas.microsoft.com/office/drawing/2010/main" w="9525">
+                <a14:hiddenLine xmlns:a14="http://schemas.microsoft.com/office/drawing/2010/main" xmlns="" w="9525">
                   <a:solidFill>
                     <a:srgbClr val="000000"/>
                   </a:solidFill>
@@ -3624,7 +3628,7 @@
             </a:ln>
             <a:extLst>
               <a:ext uri="{91240B29-F687-4f45-9708-019B960494DF}">
-                <a14:hiddenLine xmlns="" xmlns:a14="http://schemas.microsoft.com/office/drawing/2010/main" w="9525">
+                <a14:hiddenLine xmlns:a14="http://schemas.microsoft.com/office/drawing/2010/main" xmlns="" w="9525">
                   <a:solidFill>
                     <a:srgbClr val="000000"/>
                   </a:solidFill>
@@ -3689,7 +3693,7 @@
             </a:ln>
             <a:extLst>
               <a:ext uri="{91240B29-F687-4f45-9708-019B960494DF}">
-                <a14:hiddenLine xmlns="" xmlns:a14="http://schemas.microsoft.com/office/drawing/2010/main" w="9525">
+                <a14:hiddenLine xmlns:a14="http://schemas.microsoft.com/office/drawing/2010/main" xmlns="" w="9525">
                   <a:solidFill>
                     <a:srgbClr val="000000"/>
                   </a:solidFill>
@@ -3751,7 +3755,7 @@
             </a:ln>
             <a:extLst>
               <a:ext uri="{91240B29-F687-4f45-9708-019B960494DF}">
-                <a14:hiddenLine xmlns="" xmlns:a14="http://schemas.microsoft.com/office/drawing/2010/main" w="9525">
+                <a14:hiddenLine xmlns:a14="http://schemas.microsoft.com/office/drawing/2010/main" xmlns="" w="9525">
                   <a:solidFill>
                     <a:srgbClr val="000000"/>
                   </a:solidFill>
@@ -3841,7 +3845,7 @@
             </a:ln>
             <a:extLst>
               <a:ext uri="{91240B29-F687-4f45-9708-019B960494DF}">
-                <a14:hiddenLine xmlns="" xmlns:a14="http://schemas.microsoft.com/office/drawing/2010/main" w="9525">
+                <a14:hiddenLine xmlns:a14="http://schemas.microsoft.com/office/drawing/2010/main" xmlns="" w="9525">
                   <a:solidFill>
                     <a:srgbClr val="000000"/>
                   </a:solidFill>
@@ -3931,7 +3935,7 @@
             </a:ln>
             <a:extLst>
               <a:ext uri="{91240B29-F687-4f45-9708-019B960494DF}">
-                <a14:hiddenLine xmlns="" xmlns:a14="http://schemas.microsoft.com/office/drawing/2010/main" w="9525">
+                <a14:hiddenLine xmlns:a14="http://schemas.microsoft.com/office/drawing/2010/main" xmlns="" w="9525">
                   <a:solidFill>
                     <a:srgbClr val="000000"/>
                   </a:solidFill>
@@ -3993,7 +3997,7 @@
             </a:ln>
             <a:extLst>
               <a:ext uri="{91240B29-F687-4f45-9708-019B960494DF}">
-                <a14:hiddenLine xmlns="" xmlns:a14="http://schemas.microsoft.com/office/drawing/2010/main" w="9525">
+                <a14:hiddenLine xmlns:a14="http://schemas.microsoft.com/office/drawing/2010/main" xmlns="" w="9525">
                   <a:solidFill>
                     <a:srgbClr val="000000"/>
                   </a:solidFill>
@@ -4113,7 +4117,7 @@
             </a:ln>
             <a:extLst>
               <a:ext uri="{91240B29-F687-4f45-9708-019B960494DF}">
-                <a14:hiddenLine xmlns="" xmlns:a14="http://schemas.microsoft.com/office/drawing/2010/main" w="9525">
+                <a14:hiddenLine xmlns:a14="http://schemas.microsoft.com/office/drawing/2010/main" xmlns="" w="9525">
                   <a:solidFill>
                     <a:srgbClr val="000000"/>
                   </a:solidFill>
@@ -4181,7 +4185,7 @@
             </a:ln>
             <a:extLst>
               <a:ext uri="{91240B29-F687-4f45-9708-019B960494DF}">
-                <a14:hiddenLine xmlns="" xmlns:a14="http://schemas.microsoft.com/office/drawing/2010/main" w="9525">
+                <a14:hiddenLine xmlns:a14="http://schemas.microsoft.com/office/drawing/2010/main" xmlns="" w="9525">
                   <a:solidFill>
                     <a:srgbClr val="000000"/>
                   </a:solidFill>
@@ -4271,7 +4275,7 @@
             </a:ln>
             <a:extLst>
               <a:ext uri="{91240B29-F687-4f45-9708-019B960494DF}">
-                <a14:hiddenLine xmlns="" xmlns:a14="http://schemas.microsoft.com/office/drawing/2010/main" w="9525">
+                <a14:hiddenLine xmlns:a14="http://schemas.microsoft.com/office/drawing/2010/main" xmlns="" w="9525">
                   <a:solidFill>
                     <a:srgbClr val="000000"/>
                   </a:solidFill>
@@ -4411,7 +4415,7 @@
           <a:p>
             <a:fld id="{1D8BD707-D9CF-40AE-B4C6-C98DA3205C09}" type="datetimeFigureOut">
               <a:rPr lang="en-US" smtClean="0"/>
-              <a:t>2/22/2022</a:t>
+              <a:t>2/23/2022</a:t>
             </a:fld>
             <a:endParaRPr lang="en-US"/>
           </a:p>
@@ -4678,7 +4682,7 @@
           <a:p>
             <a:fld id="{1D8BD707-D9CF-40AE-B4C6-C98DA3205C09}" type="datetimeFigureOut">
               <a:rPr lang="en-US" smtClean="0"/>
-              <a:t>2/22/2022</a:t>
+              <a:t>2/23/2022</a:t>
             </a:fld>
             <a:endParaRPr lang="en-US"/>
           </a:p>
@@ -4874,7 +4878,7 @@
           <a:p>
             <a:fld id="{1D8BD707-D9CF-40AE-B4C6-C98DA3205C09}" type="datetimeFigureOut">
               <a:rPr lang="en-US" smtClean="0"/>
-              <a:t>2/22/2022</a:t>
+              <a:t>2/23/2022</a:t>
             </a:fld>
             <a:endParaRPr lang="en-US"/>
           </a:p>
@@ -5137,7 +5141,7 @@
           <a:p>
             <a:fld id="{1D8BD707-D9CF-40AE-B4C6-C98DA3205C09}" type="datetimeFigureOut">
               <a:rPr lang="en-US" smtClean="0"/>
-              <a:t>2/22/2022</a:t>
+              <a:t>2/23/2022</a:t>
             </a:fld>
             <a:endParaRPr lang="en-US"/>
           </a:p>
@@ -5571,7 +5575,7 @@
           <a:p>
             <a:fld id="{1D8BD707-D9CF-40AE-B4C6-C98DA3205C09}" type="datetimeFigureOut">
               <a:rPr lang="en-US" smtClean="0"/>
-              <a:t>2/22/2022</a:t>
+              <a:t>2/23/2022</a:t>
             </a:fld>
             <a:endParaRPr lang="en-US"/>
           </a:p>
@@ -6117,7 +6121,7 @@
           <a:p>
             <a:fld id="{1D8BD707-D9CF-40AE-B4C6-C98DA3205C09}" type="datetimeFigureOut">
               <a:rPr lang="en-US" smtClean="0"/>
-              <a:t>2/22/2022</a:t>
+              <a:t>2/23/2022</a:t>
             </a:fld>
             <a:endParaRPr lang="en-US"/>
           </a:p>
@@ -6837,7 +6841,7 @@
           <a:p>
             <a:fld id="{1D8BD707-D9CF-40AE-B4C6-C98DA3205C09}" type="datetimeFigureOut">
               <a:rPr lang="en-US" smtClean="0"/>
-              <a:t>2/22/2022</a:t>
+              <a:t>2/23/2022</a:t>
             </a:fld>
             <a:endParaRPr lang="en-US"/>
           </a:p>
@@ -7011,7 +7015,7 @@
           <a:p>
             <a:fld id="{1D8BD707-D9CF-40AE-B4C6-C98DA3205C09}" type="datetimeFigureOut">
               <a:rPr lang="en-US" smtClean="0"/>
-              <a:t>2/22/2022</a:t>
+              <a:t>2/23/2022</a:t>
             </a:fld>
             <a:endParaRPr lang="en-US"/>
           </a:p>
@@ -7191,7 +7195,7 @@
           <a:p>
             <a:fld id="{1D8BD707-D9CF-40AE-B4C6-C98DA3205C09}" type="datetimeFigureOut">
               <a:rPr lang="en-US" smtClean="0"/>
-              <a:t>2/22/2022</a:t>
+              <a:t>2/23/2022</a:t>
             </a:fld>
             <a:endParaRPr lang="en-US"/>
           </a:p>
@@ -7376,7 +7380,7 @@
           <a:p>
             <a:fld id="{1D8BD707-D9CF-40AE-B4C6-C98DA3205C09}" type="datetimeFigureOut">
               <a:rPr lang="en-US" smtClean="0"/>
-              <a:t>2/22/2022</a:t>
+              <a:t>2/23/2022</a:t>
             </a:fld>
             <a:endParaRPr lang="en-US"/>
           </a:p>
@@ -7643,7 +7647,7 @@
           <a:p>
             <a:fld id="{1D8BD707-D9CF-40AE-B4C6-C98DA3205C09}" type="datetimeFigureOut">
               <a:rPr lang="en-US" smtClean="0"/>
-              <a:t>2/22/2022</a:t>
+              <a:t>2/23/2022</a:t>
             </a:fld>
             <a:endParaRPr lang="en-US"/>
           </a:p>
@@ -7875,7 +7879,7 @@
           <a:p>
             <a:fld id="{1D8BD707-D9CF-40AE-B4C6-C98DA3205C09}" type="datetimeFigureOut">
               <a:rPr lang="en-US" smtClean="0"/>
-              <a:t>2/22/2022</a:t>
+              <a:t>2/23/2022</a:t>
             </a:fld>
             <a:endParaRPr lang="en-US"/>
           </a:p>
@@ -8256,7 +8260,7 @@
           <a:p>
             <a:fld id="{1D8BD707-D9CF-40AE-B4C6-C98DA3205C09}" type="datetimeFigureOut">
               <a:rPr lang="en-US" smtClean="0"/>
-              <a:t>2/22/2022</a:t>
+              <a:t>2/23/2022</a:t>
             </a:fld>
             <a:endParaRPr lang="en-US"/>
           </a:p>
@@ -8374,7 +8378,7 @@
           <a:p>
             <a:fld id="{1D8BD707-D9CF-40AE-B4C6-C98DA3205C09}" type="datetimeFigureOut">
               <a:rPr lang="en-US" smtClean="0"/>
-              <a:t>2/22/2022</a:t>
+              <a:t>2/23/2022</a:t>
             </a:fld>
             <a:endParaRPr lang="en-US"/>
           </a:p>
@@ -8469,7 +8473,7 @@
           <a:p>
             <a:fld id="{1D8BD707-D9CF-40AE-B4C6-C98DA3205C09}" type="datetimeFigureOut">
               <a:rPr lang="en-US" smtClean="0"/>
-              <a:t>2/22/2022</a:t>
+              <a:t>2/23/2022</a:t>
             </a:fld>
             <a:endParaRPr lang="en-US"/>
           </a:p>
@@ -8718,7 +8722,7 @@
           <a:p>
             <a:fld id="{1D8BD707-D9CF-40AE-B4C6-C98DA3205C09}" type="datetimeFigureOut">
               <a:rPr lang="en-US" smtClean="0"/>
-              <a:t>2/22/2022</a:t>
+              <a:t>2/23/2022</a:t>
             </a:fld>
             <a:endParaRPr lang="en-US"/>
           </a:p>
@@ -8970,7 +8974,7 @@
           <a:p>
             <a:fld id="{1D8BD707-D9CF-40AE-B4C6-C98DA3205C09}" type="datetimeFigureOut">
               <a:rPr lang="en-US" smtClean="0"/>
-              <a:t>2/22/2022</a:t>
+              <a:t>2/23/2022</a:t>
             </a:fld>
             <a:endParaRPr lang="en-US"/>
           </a:p>
@@ -9093,7 +9097,7 @@
           <a:noFill/>
           <a:extLst>
             <a:ext uri="{909E8E84-426E-40dd-AFC4-6F175D3DCCD1}">
-              <a14:hiddenFill xmlns="" xmlns:a14="http://schemas.microsoft.com/office/drawing/2010/main">
+              <a14:hiddenFill xmlns:a14="http://schemas.microsoft.com/office/drawing/2010/main" xmlns="">
                 <a:solidFill>
                   <a:srgbClr val="FFFFFF"/>
                 </a:solidFill>
@@ -9167,7 +9171,7 @@
               </a:ln>
               <a:extLst>
                 <a:ext uri="{91240B29-F687-4f45-9708-019B960494DF}">
-                  <a14:hiddenLine xmlns="" xmlns:a14="http://schemas.microsoft.com/office/drawing/2010/main" w="9525">
+                  <a14:hiddenLine xmlns:a14="http://schemas.microsoft.com/office/drawing/2010/main" xmlns="" w="9525">
                     <a:solidFill>
                       <a:srgbClr val="000000"/>
                     </a:solidFill>
@@ -9257,7 +9261,7 @@
               </a:ln>
               <a:extLst>
                 <a:ext uri="{91240B29-F687-4f45-9708-019B960494DF}">
-                  <a14:hiddenLine xmlns="" xmlns:a14="http://schemas.microsoft.com/office/drawing/2010/main" w="9525">
+                  <a14:hiddenLine xmlns:a14="http://schemas.microsoft.com/office/drawing/2010/main" xmlns="" w="9525">
                     <a:solidFill>
                       <a:srgbClr val="000000"/>
                     </a:solidFill>
@@ -9347,7 +9351,7 @@
               </a:ln>
               <a:extLst>
                 <a:ext uri="{91240B29-F687-4f45-9708-019B960494DF}">
-                  <a14:hiddenLine xmlns="" xmlns:a14="http://schemas.microsoft.com/office/drawing/2010/main" w="9525">
+                  <a14:hiddenLine xmlns:a14="http://schemas.microsoft.com/office/drawing/2010/main" xmlns="" w="9525">
                     <a:solidFill>
                       <a:srgbClr val="000000"/>
                     </a:solidFill>
@@ -9409,7 +9413,7 @@
               </a:ln>
               <a:extLst>
                 <a:ext uri="{91240B29-F687-4f45-9708-019B960494DF}">
-                  <a14:hiddenLine xmlns="" xmlns:a14="http://schemas.microsoft.com/office/drawing/2010/main" w="9525">
+                  <a14:hiddenLine xmlns:a14="http://schemas.microsoft.com/office/drawing/2010/main" xmlns="" w="9525">
                     <a:solidFill>
                       <a:srgbClr val="000000"/>
                     </a:solidFill>
@@ -9499,7 +9503,7 @@
               </a:ln>
               <a:extLst>
                 <a:ext uri="{91240B29-F687-4f45-9708-019B960494DF}">
-                  <a14:hiddenLine xmlns="" xmlns:a14="http://schemas.microsoft.com/office/drawing/2010/main" w="9525">
+                  <a14:hiddenLine xmlns:a14="http://schemas.microsoft.com/office/drawing/2010/main" xmlns="" w="9525">
                     <a:solidFill>
                       <a:srgbClr val="000000"/>
                     </a:solidFill>
@@ -9561,7 +9565,7 @@
               </a:ln>
               <a:extLst>
                 <a:ext uri="{91240B29-F687-4f45-9708-019B960494DF}">
-                  <a14:hiddenLine xmlns="" xmlns:a14="http://schemas.microsoft.com/office/drawing/2010/main" w="9525">
+                  <a14:hiddenLine xmlns:a14="http://schemas.microsoft.com/office/drawing/2010/main" xmlns="" w="9525">
                     <a:solidFill>
                       <a:srgbClr val="000000"/>
                     </a:solidFill>
@@ -9623,7 +9627,7 @@
               </a:ln>
               <a:extLst>
                 <a:ext uri="{91240B29-F687-4f45-9708-019B960494DF}">
-                  <a14:hiddenLine xmlns="" xmlns:a14="http://schemas.microsoft.com/office/drawing/2010/main" w="9525">
+                  <a14:hiddenLine xmlns:a14="http://schemas.microsoft.com/office/drawing/2010/main" xmlns="" w="9525">
                     <a:solidFill>
                       <a:srgbClr val="000000"/>
                     </a:solidFill>
@@ -9713,7 +9717,7 @@
               </a:ln>
               <a:extLst>
                 <a:ext uri="{91240B29-F687-4f45-9708-019B960494DF}">
-                  <a14:hiddenLine xmlns="" xmlns:a14="http://schemas.microsoft.com/office/drawing/2010/main" w="9525">
+                  <a14:hiddenLine xmlns:a14="http://schemas.microsoft.com/office/drawing/2010/main" xmlns="" w="9525">
                     <a:solidFill>
                       <a:srgbClr val="000000"/>
                     </a:solidFill>
@@ -9803,7 +9807,7 @@
               </a:ln>
               <a:extLst>
                 <a:ext uri="{91240B29-F687-4f45-9708-019B960494DF}">
-                  <a14:hiddenLine xmlns="" xmlns:a14="http://schemas.microsoft.com/office/drawing/2010/main" w="9525">
+                  <a14:hiddenLine xmlns:a14="http://schemas.microsoft.com/office/drawing/2010/main" xmlns="" w="9525">
                     <a:solidFill>
                       <a:srgbClr val="000000"/>
                     </a:solidFill>
@@ -9865,7 +9869,7 @@
               </a:ln>
               <a:extLst>
                 <a:ext uri="{91240B29-F687-4f45-9708-019B960494DF}">
-                  <a14:hiddenLine xmlns="" xmlns:a14="http://schemas.microsoft.com/office/drawing/2010/main" w="9525">
+                  <a14:hiddenLine xmlns:a14="http://schemas.microsoft.com/office/drawing/2010/main" xmlns="" w="9525">
                     <a:solidFill>
                       <a:srgbClr val="000000"/>
                     </a:solidFill>
@@ -9975,7 +9979,7 @@
               </a:ln>
               <a:extLst>
                 <a:ext uri="{91240B29-F687-4f45-9708-019B960494DF}">
-                  <a14:hiddenLine xmlns="" xmlns:a14="http://schemas.microsoft.com/office/drawing/2010/main" w="9525">
+                  <a14:hiddenLine xmlns:a14="http://schemas.microsoft.com/office/drawing/2010/main" xmlns="" w="9525">
                     <a:solidFill>
                       <a:srgbClr val="000000"/>
                     </a:solidFill>
@@ -10059,7 +10063,7 @@
               </a:ln>
               <a:extLst>
                 <a:ext uri="{91240B29-F687-4f45-9708-019B960494DF}">
-                  <a14:hiddenLine xmlns="" xmlns:a14="http://schemas.microsoft.com/office/drawing/2010/main" w="9525">
+                  <a14:hiddenLine xmlns:a14="http://schemas.microsoft.com/office/drawing/2010/main" xmlns="" w="9525">
                     <a:solidFill>
                       <a:srgbClr val="000000"/>
                     </a:solidFill>
@@ -10121,7 +10125,7 @@
               </a:ln>
               <a:extLst>
                 <a:ext uri="{91240B29-F687-4f45-9708-019B960494DF}">
-                  <a14:hiddenLine xmlns="" xmlns:a14="http://schemas.microsoft.com/office/drawing/2010/main" w="9525">
+                  <a14:hiddenLine xmlns:a14="http://schemas.microsoft.com/office/drawing/2010/main" xmlns="" w="9525">
                     <a:solidFill>
                       <a:srgbClr val="000000"/>
                     </a:solidFill>
@@ -10183,7 +10187,7 @@
               </a:ln>
               <a:extLst>
                 <a:ext uri="{91240B29-F687-4f45-9708-019B960494DF}">
-                  <a14:hiddenLine xmlns="" xmlns:a14="http://schemas.microsoft.com/office/drawing/2010/main" w="9525">
+                  <a14:hiddenLine xmlns:a14="http://schemas.microsoft.com/office/drawing/2010/main" xmlns="" w="9525">
                     <a:solidFill>
                       <a:srgbClr val="000000"/>
                     </a:solidFill>
@@ -10273,7 +10277,7 @@
               </a:ln>
               <a:extLst>
                 <a:ext uri="{91240B29-F687-4f45-9708-019B960494DF}">
-                  <a14:hiddenLine xmlns="" xmlns:a14="http://schemas.microsoft.com/office/drawing/2010/main" w="9525">
+                  <a14:hiddenLine xmlns:a14="http://schemas.microsoft.com/office/drawing/2010/main" xmlns="" w="9525">
                     <a:solidFill>
                       <a:srgbClr val="000000"/>
                     </a:solidFill>
@@ -10307,7 +10311,7 @@
               </a:ln>
               <a:extLst>
                 <a:ext uri="{91240B29-F687-4f45-9708-019B960494DF}">
-                  <a14:hiddenLine xmlns="" xmlns:a14="http://schemas.microsoft.com/office/drawing/2010/main" w="9525">
+                  <a14:hiddenLine xmlns:a14="http://schemas.microsoft.com/office/drawing/2010/main" xmlns="" w="9525">
                     <a:solidFill>
                       <a:srgbClr val="000000"/>
                     </a:solidFill>
@@ -10372,7 +10376,7 @@
               </a:ln>
               <a:extLst>
                 <a:ext uri="{91240B29-F687-4f45-9708-019B960494DF}">
-                  <a14:hiddenLine xmlns="" xmlns:a14="http://schemas.microsoft.com/office/drawing/2010/main" w="9525">
+                  <a14:hiddenLine xmlns:a14="http://schemas.microsoft.com/office/drawing/2010/main" xmlns="" w="9525">
                     <a:solidFill>
                       <a:srgbClr val="000000"/>
                     </a:solidFill>
@@ -10462,7 +10466,7 @@
               </a:ln>
               <a:extLst>
                 <a:ext uri="{91240B29-F687-4f45-9708-019B960494DF}">
-                  <a14:hiddenLine xmlns="" xmlns:a14="http://schemas.microsoft.com/office/drawing/2010/main" w="9525">
+                  <a14:hiddenLine xmlns:a14="http://schemas.microsoft.com/office/drawing/2010/main" xmlns="" w="9525">
                     <a:solidFill>
                       <a:srgbClr val="000000"/>
                     </a:solidFill>
@@ -10524,7 +10528,7 @@
               </a:ln>
               <a:extLst>
                 <a:ext uri="{91240B29-F687-4f45-9708-019B960494DF}">
-                  <a14:hiddenLine xmlns="" xmlns:a14="http://schemas.microsoft.com/office/drawing/2010/main" w="9525">
+                  <a14:hiddenLine xmlns:a14="http://schemas.microsoft.com/office/drawing/2010/main" xmlns="" w="9525">
                     <a:solidFill>
                       <a:srgbClr val="000000"/>
                     </a:solidFill>
@@ -10614,7 +10618,7 @@
               </a:ln>
               <a:extLst>
                 <a:ext uri="{91240B29-F687-4f45-9708-019B960494DF}">
-                  <a14:hiddenLine xmlns="" xmlns:a14="http://schemas.microsoft.com/office/drawing/2010/main" w="9525">
+                  <a14:hiddenLine xmlns:a14="http://schemas.microsoft.com/office/drawing/2010/main" xmlns="" w="9525">
                     <a:solidFill>
                       <a:srgbClr val="000000"/>
                     </a:solidFill>
@@ -10679,7 +10683,7 @@
               </a:ln>
               <a:extLst>
                 <a:ext uri="{91240B29-F687-4f45-9708-019B960494DF}">
-                  <a14:hiddenLine xmlns="" xmlns:a14="http://schemas.microsoft.com/office/drawing/2010/main" w="9525">
+                  <a14:hiddenLine xmlns:a14="http://schemas.microsoft.com/office/drawing/2010/main" xmlns="" w="9525">
                     <a:solidFill>
                       <a:srgbClr val="000000"/>
                     </a:solidFill>
@@ -10741,7 +10745,7 @@
               </a:ln>
               <a:extLst>
                 <a:ext uri="{91240B29-F687-4f45-9708-019B960494DF}">
-                  <a14:hiddenLine xmlns="" xmlns:a14="http://schemas.microsoft.com/office/drawing/2010/main" w="9525">
+                  <a14:hiddenLine xmlns:a14="http://schemas.microsoft.com/office/drawing/2010/main" xmlns="" w="9525">
                     <a:solidFill>
                       <a:srgbClr val="000000"/>
                     </a:solidFill>
@@ -10831,7 +10835,7 @@
               </a:ln>
               <a:extLst>
                 <a:ext uri="{91240B29-F687-4f45-9708-019B960494DF}">
-                  <a14:hiddenLine xmlns="" xmlns:a14="http://schemas.microsoft.com/office/drawing/2010/main" w="9525">
+                  <a14:hiddenLine xmlns:a14="http://schemas.microsoft.com/office/drawing/2010/main" xmlns="" w="9525">
                     <a:solidFill>
                       <a:srgbClr val="000000"/>
                     </a:solidFill>
@@ -10921,7 +10925,7 @@
               </a:ln>
               <a:extLst>
                 <a:ext uri="{91240B29-F687-4f45-9708-019B960494DF}">
-                  <a14:hiddenLine xmlns="" xmlns:a14="http://schemas.microsoft.com/office/drawing/2010/main" w="9525">
+                  <a14:hiddenLine xmlns:a14="http://schemas.microsoft.com/office/drawing/2010/main" xmlns="" w="9525">
                     <a:solidFill>
                       <a:srgbClr val="000000"/>
                     </a:solidFill>
@@ -10986,7 +10990,7 @@
               </a:ln>
               <a:extLst>
                 <a:ext uri="{91240B29-F687-4f45-9708-019B960494DF}">
-                  <a14:hiddenLine xmlns="" xmlns:a14="http://schemas.microsoft.com/office/drawing/2010/main" w="9525">
+                  <a14:hiddenLine xmlns:a14="http://schemas.microsoft.com/office/drawing/2010/main" xmlns="" w="9525">
                     <a:solidFill>
                       <a:srgbClr val="000000"/>
                     </a:solidFill>
@@ -11106,7 +11110,7 @@
               </a:ln>
               <a:extLst>
                 <a:ext uri="{91240B29-F687-4f45-9708-019B960494DF}">
-                  <a14:hiddenLine xmlns="" xmlns:a14="http://schemas.microsoft.com/office/drawing/2010/main" w="9525">
+                  <a14:hiddenLine xmlns:a14="http://schemas.microsoft.com/office/drawing/2010/main" xmlns="" w="9525">
                     <a:solidFill>
                       <a:srgbClr val="000000"/>
                     </a:solidFill>
@@ -11204,7 +11208,7 @@
               </a:ln>
               <a:extLst>
                 <a:ext uri="{91240B29-F687-4f45-9708-019B960494DF}">
-                  <a14:hiddenLine xmlns="" xmlns:a14="http://schemas.microsoft.com/office/drawing/2010/main" w="9525">
+                  <a14:hiddenLine xmlns:a14="http://schemas.microsoft.com/office/drawing/2010/main" xmlns="" w="9525">
                     <a:solidFill>
                       <a:srgbClr val="000000"/>
                     </a:solidFill>
@@ -11319,7 +11323,7 @@
               </a:ln>
               <a:extLst>
                 <a:ext uri="{91240B29-F687-4f45-9708-019B960494DF}">
-                  <a14:hiddenLine xmlns="" xmlns:a14="http://schemas.microsoft.com/office/drawing/2010/main" w="9525">
+                  <a14:hiddenLine xmlns:a14="http://schemas.microsoft.com/office/drawing/2010/main" xmlns="" w="9525">
                     <a:solidFill>
                       <a:srgbClr val="000000"/>
                     </a:solidFill>
@@ -11409,7 +11413,7 @@
               </a:ln>
               <a:extLst>
                 <a:ext uri="{91240B29-F687-4f45-9708-019B960494DF}">
-                  <a14:hiddenLine xmlns="" xmlns:a14="http://schemas.microsoft.com/office/drawing/2010/main" w="9525">
+                  <a14:hiddenLine xmlns:a14="http://schemas.microsoft.com/office/drawing/2010/main" xmlns="" w="9525">
                     <a:solidFill>
                       <a:srgbClr val="000000"/>
                     </a:solidFill>
@@ -11474,7 +11478,7 @@
               </a:ln>
               <a:extLst>
                 <a:ext uri="{91240B29-F687-4f45-9708-019B960494DF}">
-                  <a14:hiddenLine xmlns="" xmlns:a14="http://schemas.microsoft.com/office/drawing/2010/main" w="9525">
+                  <a14:hiddenLine xmlns:a14="http://schemas.microsoft.com/office/drawing/2010/main" xmlns="" w="9525">
                     <a:solidFill>
                       <a:srgbClr val="000000"/>
                     </a:solidFill>
@@ -11564,7 +11568,7 @@
               </a:ln>
               <a:extLst>
                 <a:ext uri="{91240B29-F687-4f45-9708-019B960494DF}">
-                  <a14:hiddenLine xmlns="" xmlns:a14="http://schemas.microsoft.com/office/drawing/2010/main" w="9525">
+                  <a14:hiddenLine xmlns:a14="http://schemas.microsoft.com/office/drawing/2010/main" xmlns="" w="9525">
                     <a:solidFill>
                       <a:srgbClr val="000000"/>
                     </a:solidFill>
@@ -11632,7 +11636,7 @@
               </a:ln>
               <a:extLst>
                 <a:ext uri="{91240B29-F687-4f45-9708-019B960494DF}">
-                  <a14:hiddenLine xmlns="" xmlns:a14="http://schemas.microsoft.com/office/drawing/2010/main" w="9525">
+                  <a14:hiddenLine xmlns:a14="http://schemas.microsoft.com/office/drawing/2010/main" xmlns="" w="9525">
                     <a:solidFill>
                       <a:srgbClr val="000000"/>
                     </a:solidFill>
@@ -11722,7 +11726,7 @@
               </a:ln>
               <a:extLst>
                 <a:ext uri="{91240B29-F687-4f45-9708-019B960494DF}">
-                  <a14:hiddenLine xmlns="" xmlns:a14="http://schemas.microsoft.com/office/drawing/2010/main" w="9525">
+                  <a14:hiddenLine xmlns:a14="http://schemas.microsoft.com/office/drawing/2010/main" xmlns="" w="9525">
                     <a:solidFill>
                       <a:srgbClr val="000000"/>
                     </a:solidFill>
@@ -11790,7 +11794,7 @@
               </a:ln>
               <a:extLst>
                 <a:ext uri="{91240B29-F687-4f45-9708-019B960494DF}">
-                  <a14:hiddenLine xmlns="" xmlns:a14="http://schemas.microsoft.com/office/drawing/2010/main" w="9525">
+                  <a14:hiddenLine xmlns:a14="http://schemas.microsoft.com/office/drawing/2010/main" xmlns="" w="9525">
                     <a:solidFill>
                       <a:srgbClr val="000000"/>
                     </a:solidFill>
@@ -11880,7 +11884,7 @@
               </a:ln>
               <a:extLst>
                 <a:ext uri="{91240B29-F687-4f45-9708-019B960494DF}">
-                  <a14:hiddenLine xmlns="" xmlns:a14="http://schemas.microsoft.com/office/drawing/2010/main" w="9525">
+                  <a14:hiddenLine xmlns:a14="http://schemas.microsoft.com/office/drawing/2010/main" xmlns="" w="9525">
                     <a:solidFill>
                       <a:srgbClr val="000000"/>
                     </a:solidFill>
@@ -11914,7 +11918,7 @@
               </a:ln>
               <a:extLst>
                 <a:ext uri="{91240B29-F687-4f45-9708-019B960494DF}">
-                  <a14:hiddenLine xmlns="" xmlns:a14="http://schemas.microsoft.com/office/drawing/2010/main" w="9525">
+                  <a14:hiddenLine xmlns:a14="http://schemas.microsoft.com/office/drawing/2010/main" xmlns="" w="9525">
                     <a:solidFill>
                       <a:srgbClr val="000000"/>
                     </a:solidFill>
@@ -12054,7 +12058,7 @@
           <a:p>
             <a:fld id="{1D8BD707-D9CF-40AE-B4C6-C98DA3205C09}" type="datetimeFigureOut">
               <a:rPr lang="en-US" smtClean="0"/>
-              <a:t>2/22/2022</a:t>
+              <a:t>2/23/2022</a:t>
             </a:fld>
             <a:endParaRPr lang="en-US"/>
           </a:p>
@@ -12649,17 +12653,7 @@
                   <a:latin typeface="Calibri"/>
                   <a:cs typeface="Calibri"/>
                 </a:rPr>
-                <a:t>Michael Maag, </a:t>
-              </a:r>
-              <a:r>
-                <a:rPr lang="de-DE" sz="2400" b="1" spc="-20" dirty="0">
-                  <a:solidFill>
-                    <a:srgbClr val="546670"/>
-                  </a:solidFill>
-                  <a:latin typeface="Calibri"/>
-                  <a:cs typeface="Calibri"/>
-                </a:rPr>
-                <a:t>TINF19B1</a:t>
+                <a:t>Michael Maag, TINF19B1</a:t>
               </a:r>
               <a:endParaRPr sz="2400" b="1" spc="-20" dirty="0">
                 <a:solidFill>
@@ -12726,6 +12720,482 @@
         </p:sp>
       </p:grpSp>
     </p:spTree>
+  </p:cSld>
+  <p:clrMapOvr>
+    <a:masterClrMapping/>
+  </p:clrMapOvr>
+  <p:timing>
+    <p:tnLst>
+      <p:par>
+        <p:cTn id="1" dur="indefinite" restart="never" nodeType="tmRoot"/>
+      </p:par>
+    </p:tnLst>
+  </p:timing>
+</p:sld>
+</file>
+
+<file path=ppt/slides/slide10.xml><?xml version="1.0" encoding="utf-8"?>
+<p:sld xmlns:a="http://schemas.openxmlformats.org/drawingml/2006/main" xmlns:r="http://schemas.openxmlformats.org/officeDocument/2006/relationships" xmlns:p="http://schemas.openxmlformats.org/presentationml/2006/main">
+  <p:cSld>
+    <p:spTree>
+      <p:nvGrpSpPr>
+        <p:cNvPr id="1" name=""/>
+        <p:cNvGrpSpPr/>
+        <p:nvPr/>
+      </p:nvGrpSpPr>
+      <p:grpSpPr>
+        <a:xfrm>
+          <a:off x="0" y="0"/>
+          <a:ext cx="0" cy="0"/>
+          <a:chOff x="0" y="0"/>
+          <a:chExt cx="0" cy="0"/>
+        </a:xfrm>
+      </p:grpSpPr>
+      <p:sp>
+        <p:nvSpPr>
+          <p:cNvPr id="6" name="object 6"/>
+          <p:cNvSpPr txBox="1"/>
+          <p:nvPr/>
+        </p:nvSpPr>
+        <p:spPr>
+          <a:xfrm>
+            <a:off x="4916183" y="3219450"/>
+            <a:ext cx="9049469" cy="553998"/>
+          </a:xfrm>
+          <a:prstGeom prst="rect">
+            <a:avLst/>
+          </a:prstGeom>
+        </p:spPr>
+        <p:txBody>
+          <a:bodyPr vert="horz" wrap="square" lIns="0" tIns="0" rIns="0" bIns="0" rtlCol="0">
+            <a:spAutoFit/>
+          </a:bodyPr>
+          <a:lstStyle/>
+          <a:p>
+            <a:pPr marL="12699" marR="6350"/>
+            <a:r>
+              <a:rPr lang="de-DE" sz="3600" b="1" spc="-204" dirty="0" smtClean="0">
+                <a:latin typeface="Cambria"/>
+                <a:cs typeface="Cambria"/>
+              </a:rPr>
+              <a:t>Quellen</a:t>
+            </a:r>
+            <a:endParaRPr sz="3600" dirty="0">
+              <a:latin typeface="Cambria"/>
+              <a:cs typeface="Cambria"/>
+            </a:endParaRPr>
+          </a:p>
+        </p:txBody>
+      </p:sp>
+      <p:pic>
+        <p:nvPicPr>
+          <p:cNvPr id="8" name="Grafik 7"/>
+          <p:cNvPicPr>
+            <a:picLocks noChangeAspect="1"/>
+          </p:cNvPicPr>
+          <p:nvPr/>
+        </p:nvPicPr>
+        <p:blipFill>
+          <a:blip r:embed="rId2" cstate="print">
+            <a:extLst>
+              <a:ext uri="{28A0092B-C50C-407E-A947-70E740481C1C}">
+                <a14:useLocalDpi xmlns:a14="http://schemas.microsoft.com/office/drawing/2010/main" val="0"/>
+              </a:ext>
+            </a:extLst>
+          </a:blip>
+          <a:stretch>
+            <a:fillRect/>
+          </a:stretch>
+        </p:blipFill>
+        <p:spPr>
+          <a:xfrm>
+            <a:off x="14996183" y="781049"/>
+            <a:ext cx="3749040" cy="1990047"/>
+          </a:xfrm>
+          <a:prstGeom prst="rect">
+            <a:avLst/>
+          </a:prstGeom>
+        </p:spPr>
+      </p:pic>
+      <p:sp>
+        <p:nvSpPr>
+          <p:cNvPr id="9" name="Textfeld 8"/>
+          <p:cNvSpPr txBox="1"/>
+          <p:nvPr/>
+        </p:nvSpPr>
+        <p:spPr>
+          <a:xfrm>
+            <a:off x="4916183" y="1052797"/>
+            <a:ext cx="7920000" cy="1446550"/>
+          </a:xfrm>
+          <a:prstGeom prst="rect">
+            <a:avLst/>
+          </a:prstGeom>
+          <a:noFill/>
+        </p:spPr>
+        <p:txBody>
+          <a:bodyPr wrap="square" rtlCol="0">
+            <a:spAutoFit/>
+          </a:bodyPr>
+          <a:lstStyle/>
+          <a:p>
+            <a:r>
+              <a:rPr lang="de-DE" sz="4400" dirty="0" err="1" smtClean="0"/>
+              <a:t>RaHM</a:t>
+            </a:r>
+            <a:r>
+              <a:rPr lang="de-DE" sz="4400" dirty="0" smtClean="0"/>
+              <a:t>-Lab:</a:t>
+            </a:r>
+          </a:p>
+          <a:p>
+            <a:r>
+              <a:rPr lang="de-DE" sz="4400" dirty="0" smtClean="0"/>
+              <a:t>Positionsregelung Drohne</a:t>
+            </a:r>
+            <a:endParaRPr lang="de-DE" sz="4400" dirty="0"/>
+          </a:p>
+        </p:txBody>
+      </p:sp>
+      <p:grpSp>
+        <p:nvGrpSpPr>
+          <p:cNvPr id="13" name="Gruppieren 12"/>
+          <p:cNvGrpSpPr/>
+          <p:nvPr/>
+        </p:nvGrpSpPr>
+        <p:grpSpPr>
+          <a:xfrm>
+            <a:off x="4916183" y="13658850"/>
+            <a:ext cx="10080000" cy="900000"/>
+            <a:chOff x="4916183" y="13658850"/>
+            <a:chExt cx="10080000" cy="900000"/>
+          </a:xfrm>
+        </p:grpSpPr>
+        <p:sp>
+          <p:nvSpPr>
+            <p:cNvPr id="4" name="object 4"/>
+            <p:cNvSpPr/>
+            <p:nvPr/>
+          </p:nvSpPr>
+          <p:spPr>
+            <a:xfrm>
+              <a:off x="4916183" y="13658850"/>
+              <a:ext cx="10080000" cy="900000"/>
+            </a:xfrm>
+            <a:custGeom>
+              <a:avLst/>
+              <a:gdLst/>
+              <a:ahLst/>
+              <a:cxnLst/>
+              <a:rect l="l" t="t" r="r" b="b"/>
+              <a:pathLst>
+                <a:path w="10015855" h="807719">
+                  <a:moveTo>
+                    <a:pt x="0" y="807351"/>
+                  </a:moveTo>
+                  <a:lnTo>
+                    <a:pt x="10015334" y="807351"/>
+                  </a:lnTo>
+                  <a:lnTo>
+                    <a:pt x="10015334" y="0"/>
+                  </a:lnTo>
+                  <a:lnTo>
+                    <a:pt x="0" y="0"/>
+                  </a:lnTo>
+                  <a:lnTo>
+                    <a:pt x="0" y="807351"/>
+                  </a:lnTo>
+                  <a:close/>
+                </a:path>
+              </a:pathLst>
+            </a:custGeom>
+            <a:solidFill>
+              <a:srgbClr val="FFFFFF"/>
+            </a:solidFill>
+          </p:spPr>
+          <p:txBody>
+            <a:bodyPr wrap="square" lIns="0" tIns="0" rIns="0" bIns="0" rtlCol="0">
+              <a:spAutoFit/>
+            </a:bodyPr>
+            <a:lstStyle/>
+            <a:p>
+              <a:endParaRPr/>
+            </a:p>
+          </p:txBody>
+        </p:sp>
+        <p:sp>
+          <p:nvSpPr>
+            <p:cNvPr id="7" name="object 7"/>
+            <p:cNvSpPr txBox="1"/>
+            <p:nvPr/>
+          </p:nvSpPr>
+          <p:spPr>
+            <a:xfrm>
+              <a:off x="5960623" y="13924184"/>
+              <a:ext cx="4500000" cy="369332"/>
+            </a:xfrm>
+            <a:prstGeom prst="rect">
+              <a:avLst/>
+            </a:prstGeom>
+          </p:spPr>
+          <p:txBody>
+            <a:bodyPr vert="horz" wrap="square" lIns="0" tIns="0" rIns="0" bIns="0" rtlCol="0">
+              <a:spAutoFit/>
+            </a:bodyPr>
+            <a:lstStyle/>
+            <a:p>
+              <a:pPr marL="12699"/>
+              <a:r>
+                <a:rPr lang="de-DE" sz="2400" b="1" spc="-20" dirty="0">
+                  <a:solidFill>
+                    <a:srgbClr val="546670"/>
+                  </a:solidFill>
+                  <a:latin typeface="Calibri"/>
+                  <a:cs typeface="Calibri"/>
+                </a:rPr>
+                <a:t>Michael Maag, TINF19B1</a:t>
+              </a:r>
+              <a:endParaRPr sz="2400" b="1" spc="-20" dirty="0">
+                <a:solidFill>
+                  <a:srgbClr val="546670"/>
+                </a:solidFill>
+                <a:latin typeface="Calibri"/>
+                <a:cs typeface="Calibri"/>
+              </a:endParaRPr>
+            </a:p>
+          </p:txBody>
+        </p:sp>
+        <p:sp>
+          <p:nvSpPr>
+            <p:cNvPr id="12" name="object 7"/>
+            <p:cNvSpPr txBox="1"/>
+            <p:nvPr/>
+          </p:nvSpPr>
+          <p:spPr>
+            <a:xfrm>
+              <a:off x="10460623" y="13924184"/>
+              <a:ext cx="4500000" cy="369332"/>
+            </a:xfrm>
+            <a:prstGeom prst="rect">
+              <a:avLst/>
+            </a:prstGeom>
+          </p:spPr>
+          <p:txBody>
+            <a:bodyPr vert="horz" wrap="square" lIns="0" tIns="0" rIns="0" bIns="0" rtlCol="0">
+              <a:spAutoFit/>
+            </a:bodyPr>
+            <a:lstStyle/>
+            <a:p>
+              <a:pPr marL="12699">
+                <a:spcBef>
+                  <a:spcPts val="370"/>
+                </a:spcBef>
+              </a:pPr>
+              <a:r>
+                <a:rPr lang="de-DE" sz="2400" b="1" spc="-20" dirty="0" smtClean="0">
+                  <a:solidFill>
+                    <a:srgbClr val="546670"/>
+                  </a:solidFill>
+                  <a:latin typeface="Calibri"/>
+                  <a:cs typeface="Calibri"/>
+                </a:rPr>
+                <a:t>Betreuer</a:t>
+              </a:r>
+              <a:r>
+                <a:rPr lang="de-DE" sz="2400" b="1" spc="-20" dirty="0">
+                  <a:solidFill>
+                    <a:srgbClr val="546670"/>
+                  </a:solidFill>
+                  <a:latin typeface="Calibri"/>
+                  <a:cs typeface="Calibri"/>
+                </a:rPr>
+                <a:t>: Herr Strand</a:t>
+              </a:r>
+              <a:endParaRPr sz="2400" dirty="0">
+                <a:latin typeface="Calibri"/>
+                <a:cs typeface="Calibri"/>
+              </a:endParaRPr>
+            </a:p>
+          </p:txBody>
+        </p:sp>
+      </p:grpSp>
+      <p:sp>
+        <p:nvSpPr>
+          <p:cNvPr id="10" name="object 6"/>
+          <p:cNvSpPr txBox="1"/>
+          <p:nvPr/>
+        </p:nvSpPr>
+        <p:spPr>
+          <a:xfrm>
+            <a:off x="2036182" y="4793265"/>
+            <a:ext cx="16967223" cy="492443"/>
+          </a:xfrm>
+          <a:prstGeom prst="rect">
+            <a:avLst/>
+          </a:prstGeom>
+        </p:spPr>
+        <p:txBody>
+          <a:bodyPr vert="horz" wrap="square" lIns="0" tIns="0" rIns="0" bIns="0" rtlCol="0">
+            <a:spAutoFit/>
+          </a:bodyPr>
+          <a:lstStyle/>
+          <a:p>
+            <a:pPr marL="12699" marR="6350"/>
+            <a:r>
+              <a:rPr lang="de-DE" sz="3200" spc="-204" dirty="0" smtClean="0">
+                <a:latin typeface="Arial" panose="020B0604020202020204" pitchFamily="34" charset="0"/>
+                <a:cs typeface="Arial" panose="020B0604020202020204" pitchFamily="34" charset="0"/>
+              </a:rPr>
+              <a:t>(1)  </a:t>
+            </a:r>
+            <a:r>
+              <a:rPr lang="de-DE" sz="3200" dirty="0" smtClean="0">
+                <a:latin typeface="Arial" panose="020B0604020202020204" pitchFamily="34" charset="0"/>
+                <a:cs typeface="Arial" panose="020B0604020202020204" pitchFamily="34" charset="0"/>
+              </a:rPr>
+              <a:t>Labor </a:t>
+            </a:r>
+            <a:r>
+              <a:rPr lang="de-DE" sz="3200" dirty="0">
+                <a:latin typeface="Arial" panose="020B0604020202020204" pitchFamily="34" charset="0"/>
+                <a:cs typeface="Arial" panose="020B0604020202020204" pitchFamily="34" charset="0"/>
+              </a:rPr>
+              <a:t>Prozessautomatisierung „</a:t>
+            </a:r>
+            <a:r>
+              <a:rPr lang="de-DE" sz="3200" dirty="0" err="1">
+                <a:latin typeface="Arial" panose="020B0604020202020204" pitchFamily="34" charset="0"/>
+                <a:cs typeface="Arial" panose="020B0604020202020204" pitchFamily="34" charset="0"/>
+              </a:rPr>
+              <a:t>AR.Drone</a:t>
+            </a:r>
+            <a:r>
+              <a:rPr lang="de-DE" sz="3200" dirty="0">
+                <a:latin typeface="Arial" panose="020B0604020202020204" pitchFamily="34" charset="0"/>
+                <a:cs typeface="Arial" panose="020B0604020202020204" pitchFamily="34" charset="0"/>
+              </a:rPr>
+              <a:t> 2.0“</a:t>
+            </a:r>
+            <a:r>
+              <a:rPr lang="de-DE" sz="3200" spc="-204" dirty="0" smtClean="0">
+                <a:latin typeface="Arial" panose="020B0604020202020204" pitchFamily="34" charset="0"/>
+                <a:cs typeface="Arial" panose="020B0604020202020204" pitchFamily="34" charset="0"/>
+              </a:rPr>
+              <a:t> </a:t>
+            </a:r>
+            <a:endParaRPr sz="3200" dirty="0">
+              <a:latin typeface="Arial" panose="020B0604020202020204" pitchFamily="34" charset="0"/>
+              <a:cs typeface="Arial" panose="020B0604020202020204" pitchFamily="34" charset="0"/>
+            </a:endParaRPr>
+          </a:p>
+        </p:txBody>
+      </p:sp>
+      <p:sp>
+        <p:nvSpPr>
+          <p:cNvPr id="11" name="object 6"/>
+          <p:cNvSpPr txBox="1"/>
+          <p:nvPr/>
+        </p:nvSpPr>
+        <p:spPr>
+          <a:xfrm>
+            <a:off x="2036182" y="5551042"/>
+            <a:ext cx="16967223" cy="492443"/>
+          </a:xfrm>
+          <a:prstGeom prst="rect">
+            <a:avLst/>
+          </a:prstGeom>
+        </p:spPr>
+        <p:txBody>
+          <a:bodyPr vert="horz" wrap="square" lIns="0" tIns="0" rIns="0" bIns="0" rtlCol="0">
+            <a:spAutoFit/>
+          </a:bodyPr>
+          <a:lstStyle/>
+          <a:p>
+            <a:pPr marL="12699" marR="6350"/>
+            <a:r>
+              <a:rPr lang="de-DE" sz="3200" spc="-204" dirty="0" smtClean="0">
+                <a:latin typeface="Arial" panose="020B0604020202020204" pitchFamily="34" charset="0"/>
+                <a:cs typeface="Arial" panose="020B0604020202020204" pitchFamily="34" charset="0"/>
+              </a:rPr>
+              <a:t>(2)  </a:t>
+            </a:r>
+            <a:r>
+              <a:rPr lang="de-DE" sz="3200" spc="-204" dirty="0">
+                <a:latin typeface="Arial" panose="020B0604020202020204" pitchFamily="34" charset="0"/>
+                <a:cs typeface="Arial" panose="020B0604020202020204" pitchFamily="34" charset="0"/>
+              </a:rPr>
+              <a:t>https://clover.coex.tech/en/assemble_4_2.html</a:t>
+            </a:r>
+            <a:endParaRPr sz="3200" dirty="0">
+              <a:latin typeface="Arial" panose="020B0604020202020204" pitchFamily="34" charset="0"/>
+              <a:cs typeface="Arial" panose="020B0604020202020204" pitchFamily="34" charset="0"/>
+            </a:endParaRPr>
+          </a:p>
+        </p:txBody>
+      </p:sp>
+      <p:sp>
+        <p:nvSpPr>
+          <p:cNvPr id="14" name="object 6"/>
+          <p:cNvSpPr txBox="1"/>
+          <p:nvPr/>
+        </p:nvSpPr>
+        <p:spPr>
+          <a:xfrm>
+            <a:off x="2051422" y="6305525"/>
+            <a:ext cx="16967223" cy="492443"/>
+          </a:xfrm>
+          <a:prstGeom prst="rect">
+            <a:avLst/>
+          </a:prstGeom>
+        </p:spPr>
+        <p:txBody>
+          <a:bodyPr vert="horz" wrap="square" lIns="0" tIns="0" rIns="0" bIns="0" rtlCol="0">
+            <a:spAutoFit/>
+          </a:bodyPr>
+          <a:lstStyle/>
+          <a:p>
+            <a:pPr marL="12699" marR="6350"/>
+            <a:r>
+              <a:rPr lang="de-DE" sz="3200" spc="-204" dirty="0" smtClean="0">
+                <a:latin typeface="Arial" panose="020B0604020202020204" pitchFamily="34" charset="0"/>
+                <a:cs typeface="Arial" panose="020B0604020202020204" pitchFamily="34" charset="0"/>
+              </a:rPr>
+              <a:t>(3</a:t>
+            </a:r>
+            <a:r>
+              <a:rPr lang="de-DE" sz="3200" spc="-204" dirty="0">
+                <a:latin typeface="Arial" panose="020B0604020202020204" pitchFamily="34" charset="0"/>
+                <a:cs typeface="Arial" panose="020B0604020202020204" pitchFamily="34" charset="0"/>
+              </a:rPr>
+              <a:t>) </a:t>
+            </a:r>
+            <a:r>
+              <a:rPr lang="de-DE" sz="3200" spc="-204" dirty="0" smtClean="0">
+                <a:latin typeface="Arial" panose="020B0604020202020204" pitchFamily="34" charset="0"/>
+                <a:cs typeface="Arial" panose="020B0604020202020204" pitchFamily="34" charset="0"/>
+              </a:rPr>
+              <a:t> https</a:t>
+            </a:r>
+            <a:r>
+              <a:rPr lang="de-DE" sz="3200" spc="-204" dirty="0">
+                <a:latin typeface="Arial" panose="020B0604020202020204" pitchFamily="34" charset="0"/>
+                <a:cs typeface="Arial" panose="020B0604020202020204" pitchFamily="34" charset="0"/>
+              </a:rPr>
+              <a:t>://clover.coex.tech/en/calibration.html</a:t>
+            </a:r>
+            <a:endParaRPr sz="3200" dirty="0">
+              <a:latin typeface="Arial" panose="020B0604020202020204" pitchFamily="34" charset="0"/>
+              <a:cs typeface="Arial" panose="020B0604020202020204" pitchFamily="34" charset="0"/>
+            </a:endParaRPr>
+          </a:p>
+        </p:txBody>
+      </p:sp>
+    </p:spTree>
+    <p:extLst>
+      <p:ext uri="{BB962C8B-B14F-4D97-AF65-F5344CB8AC3E}">
+        <p14:creationId xmlns:p14="http://schemas.microsoft.com/office/powerpoint/2010/main" val="3188659225"/>
+      </p:ext>
+    </p:extLst>
   </p:cSld>
   <p:clrMapOvr>
     <a:masterClrMapping/>
@@ -12923,17 +13393,7 @@
                   <a:latin typeface="Calibri"/>
                   <a:cs typeface="Calibri"/>
                 </a:rPr>
-                <a:t>Michael Maag, </a:t>
-              </a:r>
-              <a:r>
-                <a:rPr lang="de-DE" sz="2400" b="1" spc="-20" dirty="0">
-                  <a:solidFill>
-                    <a:srgbClr val="546670"/>
-                  </a:solidFill>
-                  <a:latin typeface="Calibri"/>
-                  <a:cs typeface="Calibri"/>
-                </a:rPr>
-                <a:t>TINF19B1</a:t>
+                <a:t>Michael Maag, TINF19B1</a:t>
               </a:r>
               <a:endParaRPr sz="2400" b="1" spc="-20" dirty="0">
                 <a:solidFill>
@@ -13346,7 +13806,53 @@
                   <a:latin typeface="Calibri"/>
                   <a:cs typeface="Calibri"/>
                 </a:rPr>
-                <a:t>Michael Maag, </a:t>
+                <a:t>Michael Maag, TINF19B1</a:t>
+              </a:r>
+              <a:endParaRPr sz="2400" b="1" spc="-20" dirty="0">
+                <a:solidFill>
+                  <a:srgbClr val="546670"/>
+                </a:solidFill>
+                <a:latin typeface="Calibri"/>
+                <a:cs typeface="Calibri"/>
+              </a:endParaRPr>
+            </a:p>
+          </p:txBody>
+        </p:sp>
+        <p:sp>
+          <p:nvSpPr>
+            <p:cNvPr id="12" name="object 7"/>
+            <p:cNvSpPr txBox="1"/>
+            <p:nvPr/>
+          </p:nvSpPr>
+          <p:spPr>
+            <a:xfrm>
+              <a:off x="10460623" y="13924184"/>
+              <a:ext cx="4500000" cy="369332"/>
+            </a:xfrm>
+            <a:prstGeom prst="rect">
+              <a:avLst/>
+            </a:prstGeom>
+          </p:spPr>
+          <p:txBody>
+            <a:bodyPr vert="horz" wrap="square" lIns="0" tIns="0" rIns="0" bIns="0" rtlCol="0">
+              <a:spAutoFit/>
+            </a:bodyPr>
+            <a:lstStyle/>
+            <a:p>
+              <a:pPr marL="12699">
+                <a:spcBef>
+                  <a:spcPts val="370"/>
+                </a:spcBef>
+              </a:pPr>
+              <a:r>
+                <a:rPr lang="de-DE" sz="2400" b="1" spc="-20" dirty="0" smtClean="0">
+                  <a:solidFill>
+                    <a:srgbClr val="546670"/>
+                  </a:solidFill>
+                  <a:latin typeface="Calibri"/>
+                  <a:cs typeface="Calibri"/>
+                </a:rPr>
+                <a:t>Betreuer</a:t>
               </a:r>
               <a:r>
                 <a:rPr lang="de-DE" sz="2400" b="1" spc="-20" dirty="0">
@@ -13356,7 +13862,344 @@
                   <a:latin typeface="Calibri"/>
                   <a:cs typeface="Calibri"/>
                 </a:rPr>
-                <a:t>TINF19B1</a:t>
+                <a:t>: Herr Strand</a:t>
+              </a:r>
+              <a:endParaRPr sz="2400" dirty="0">
+                <a:latin typeface="Calibri"/>
+                <a:cs typeface="Calibri"/>
+              </a:endParaRPr>
+            </a:p>
+          </p:txBody>
+        </p:sp>
+      </p:grpSp>
+      <p:pic>
+        <p:nvPicPr>
+          <p:cNvPr id="3" name="Grafik 2"/>
+          <p:cNvPicPr>
+            <a:picLocks noChangeAspect="1"/>
+          </p:cNvPicPr>
+          <p:nvPr/>
+        </p:nvPicPr>
+        <p:blipFill>
+          <a:blip r:embed="rId3"/>
+          <a:stretch>
+            <a:fillRect/>
+          </a:stretch>
+        </p:blipFill>
+        <p:spPr>
+          <a:xfrm>
+            <a:off x="2440042" y="4512601"/>
+            <a:ext cx="7000875" cy="3000375"/>
+          </a:xfrm>
+          <a:prstGeom prst="rect">
+            <a:avLst/>
+          </a:prstGeom>
+        </p:spPr>
+      </p:pic>
+      <p:sp>
+        <p:nvSpPr>
+          <p:cNvPr id="14" name="object 6"/>
+          <p:cNvSpPr txBox="1"/>
+          <p:nvPr/>
+        </p:nvSpPr>
+        <p:spPr>
+          <a:xfrm>
+            <a:off x="2415463" y="7778310"/>
+            <a:ext cx="7000875" cy="369332"/>
+          </a:xfrm>
+          <a:prstGeom prst="rect">
+            <a:avLst/>
+          </a:prstGeom>
+        </p:spPr>
+        <p:txBody>
+          <a:bodyPr vert="horz" wrap="square" lIns="0" tIns="0" rIns="0" bIns="0" rtlCol="0">
+            <a:spAutoFit/>
+          </a:bodyPr>
+          <a:lstStyle/>
+          <a:p>
+            <a:pPr marL="12699" marR="6350" algn="ctr"/>
+            <a:r>
+              <a:rPr lang="de-DE" sz="2400" b="1" spc="-204" dirty="0" err="1" smtClean="0">
+                <a:latin typeface="Cambria"/>
+                <a:cs typeface="Cambria"/>
+              </a:rPr>
+              <a:t>Parrot</a:t>
+            </a:r>
+            <a:r>
+              <a:rPr lang="de-DE" sz="2400" b="1" spc="-204" dirty="0" smtClean="0">
+                <a:latin typeface="Cambria"/>
+                <a:cs typeface="Cambria"/>
+              </a:rPr>
+              <a:t> </a:t>
+            </a:r>
+            <a:r>
+              <a:rPr lang="de-DE" sz="2400" b="1" spc="-204" dirty="0" err="1" smtClean="0">
+                <a:latin typeface="Cambria"/>
+                <a:cs typeface="Cambria"/>
+              </a:rPr>
+              <a:t>AR.Drohne</a:t>
+            </a:r>
+            <a:r>
+              <a:rPr lang="de-DE" sz="2400" b="1" spc="-204" dirty="0" smtClean="0">
+                <a:latin typeface="Cambria"/>
+                <a:cs typeface="Cambria"/>
+              </a:rPr>
+              <a:t> 2.0</a:t>
+            </a:r>
+            <a:r>
+              <a:rPr lang="de-DE" sz="2400" b="1" spc="-204" baseline="30000" dirty="0" smtClean="0">
+                <a:latin typeface="Cambria"/>
+                <a:cs typeface="Cambria"/>
+              </a:rPr>
+              <a:t>1</a:t>
+            </a:r>
+            <a:endParaRPr sz="2400" baseline="30000" dirty="0">
+              <a:latin typeface="Cambria"/>
+              <a:cs typeface="Cambria"/>
+            </a:endParaRPr>
+          </a:p>
+        </p:txBody>
+      </p:sp>
+    </p:spTree>
+    <p:extLst>
+      <p:ext uri="{BB962C8B-B14F-4D97-AF65-F5344CB8AC3E}">
+        <p14:creationId xmlns:p14="http://schemas.microsoft.com/office/powerpoint/2010/main" val="72599795"/>
+      </p:ext>
+    </p:extLst>
+  </p:cSld>
+  <p:clrMapOvr>
+    <a:masterClrMapping/>
+  </p:clrMapOvr>
+  <p:timing>
+    <p:tnLst>
+      <p:par>
+        <p:cTn id="1" dur="indefinite" restart="never" nodeType="tmRoot"/>
+      </p:par>
+    </p:tnLst>
+  </p:timing>
+</p:sld>
+</file>
+
+<file path=ppt/slides/slide4.xml><?xml version="1.0" encoding="utf-8"?>
+<p:sld xmlns:a="http://schemas.openxmlformats.org/drawingml/2006/main" xmlns:r="http://schemas.openxmlformats.org/officeDocument/2006/relationships" xmlns:p="http://schemas.openxmlformats.org/presentationml/2006/main">
+  <p:cSld>
+    <p:spTree>
+      <p:nvGrpSpPr>
+        <p:cNvPr id="1" name=""/>
+        <p:cNvGrpSpPr/>
+        <p:nvPr/>
+      </p:nvGrpSpPr>
+      <p:grpSpPr>
+        <a:xfrm>
+          <a:off x="0" y="0"/>
+          <a:ext cx="0" cy="0"/>
+          <a:chOff x="0" y="0"/>
+          <a:chExt cx="0" cy="0"/>
+        </a:xfrm>
+      </p:grpSpPr>
+      <p:sp>
+        <p:nvSpPr>
+          <p:cNvPr id="6" name="object 6"/>
+          <p:cNvSpPr txBox="1"/>
+          <p:nvPr/>
+        </p:nvSpPr>
+        <p:spPr>
+          <a:xfrm>
+            <a:off x="4916183" y="3219450"/>
+            <a:ext cx="9049469" cy="553998"/>
+          </a:xfrm>
+          <a:prstGeom prst="rect">
+            <a:avLst/>
+          </a:prstGeom>
+        </p:spPr>
+        <p:txBody>
+          <a:bodyPr vert="horz" wrap="square" lIns="0" tIns="0" rIns="0" bIns="0" rtlCol="0">
+            <a:spAutoFit/>
+          </a:bodyPr>
+          <a:lstStyle/>
+          <a:p>
+            <a:pPr marL="12699" marR="6350"/>
+            <a:r>
+              <a:rPr lang="de-DE" sz="3600" b="1" spc="-204" dirty="0" smtClean="0">
+                <a:latin typeface="Cambria"/>
+                <a:cs typeface="Cambria"/>
+              </a:rPr>
+              <a:t>Projekt-Idee</a:t>
+            </a:r>
+            <a:endParaRPr sz="3600" dirty="0">
+              <a:latin typeface="Cambria"/>
+              <a:cs typeface="Cambria"/>
+            </a:endParaRPr>
+          </a:p>
+        </p:txBody>
+      </p:sp>
+      <p:pic>
+        <p:nvPicPr>
+          <p:cNvPr id="8" name="Grafik 7"/>
+          <p:cNvPicPr>
+            <a:picLocks noChangeAspect="1"/>
+          </p:cNvPicPr>
+          <p:nvPr/>
+        </p:nvPicPr>
+        <p:blipFill>
+          <a:blip r:embed="rId2" cstate="print">
+            <a:extLst>
+              <a:ext uri="{28A0092B-C50C-407E-A947-70E740481C1C}">
+                <a14:useLocalDpi xmlns:a14="http://schemas.microsoft.com/office/drawing/2010/main" val="0"/>
+              </a:ext>
+            </a:extLst>
+          </a:blip>
+          <a:stretch>
+            <a:fillRect/>
+          </a:stretch>
+        </p:blipFill>
+        <p:spPr>
+          <a:xfrm>
+            <a:off x="14996183" y="781049"/>
+            <a:ext cx="3749040" cy="1990047"/>
+          </a:xfrm>
+          <a:prstGeom prst="rect">
+            <a:avLst/>
+          </a:prstGeom>
+        </p:spPr>
+      </p:pic>
+      <p:sp>
+        <p:nvSpPr>
+          <p:cNvPr id="9" name="Textfeld 8"/>
+          <p:cNvSpPr txBox="1"/>
+          <p:nvPr/>
+        </p:nvSpPr>
+        <p:spPr>
+          <a:xfrm>
+            <a:off x="4916183" y="1052797"/>
+            <a:ext cx="7920000" cy="1446550"/>
+          </a:xfrm>
+          <a:prstGeom prst="rect">
+            <a:avLst/>
+          </a:prstGeom>
+          <a:noFill/>
+        </p:spPr>
+        <p:txBody>
+          <a:bodyPr wrap="square" rtlCol="0">
+            <a:spAutoFit/>
+          </a:bodyPr>
+          <a:lstStyle/>
+          <a:p>
+            <a:r>
+              <a:rPr lang="de-DE" sz="4400" dirty="0" err="1" smtClean="0"/>
+              <a:t>RaHM</a:t>
+            </a:r>
+            <a:r>
+              <a:rPr lang="de-DE" sz="4400" dirty="0" smtClean="0"/>
+              <a:t>-Lab:</a:t>
+            </a:r>
+          </a:p>
+          <a:p>
+            <a:r>
+              <a:rPr lang="de-DE" sz="4400" dirty="0" smtClean="0"/>
+              <a:t>Positionsregelung Drohne</a:t>
+            </a:r>
+            <a:endParaRPr lang="de-DE" sz="4400" dirty="0"/>
+          </a:p>
+        </p:txBody>
+      </p:sp>
+      <p:grpSp>
+        <p:nvGrpSpPr>
+          <p:cNvPr id="13" name="Gruppieren 12"/>
+          <p:cNvGrpSpPr/>
+          <p:nvPr/>
+        </p:nvGrpSpPr>
+        <p:grpSpPr>
+          <a:xfrm>
+            <a:off x="4916183" y="13658850"/>
+            <a:ext cx="10080000" cy="900000"/>
+            <a:chOff x="4916183" y="13658850"/>
+            <a:chExt cx="10080000" cy="900000"/>
+          </a:xfrm>
+        </p:grpSpPr>
+        <p:sp>
+          <p:nvSpPr>
+            <p:cNvPr id="4" name="object 4"/>
+            <p:cNvSpPr/>
+            <p:nvPr/>
+          </p:nvSpPr>
+          <p:spPr>
+            <a:xfrm>
+              <a:off x="4916183" y="13658850"/>
+              <a:ext cx="10080000" cy="900000"/>
+            </a:xfrm>
+            <a:custGeom>
+              <a:avLst/>
+              <a:gdLst/>
+              <a:ahLst/>
+              <a:cxnLst/>
+              <a:rect l="l" t="t" r="r" b="b"/>
+              <a:pathLst>
+                <a:path w="10015855" h="807719">
+                  <a:moveTo>
+                    <a:pt x="0" y="807351"/>
+                  </a:moveTo>
+                  <a:lnTo>
+                    <a:pt x="10015334" y="807351"/>
+                  </a:lnTo>
+                  <a:lnTo>
+                    <a:pt x="10015334" y="0"/>
+                  </a:lnTo>
+                  <a:lnTo>
+                    <a:pt x="0" y="0"/>
+                  </a:lnTo>
+                  <a:lnTo>
+                    <a:pt x="0" y="807351"/>
+                  </a:lnTo>
+                  <a:close/>
+                </a:path>
+              </a:pathLst>
+            </a:custGeom>
+            <a:solidFill>
+              <a:srgbClr val="FFFFFF"/>
+            </a:solidFill>
+          </p:spPr>
+          <p:txBody>
+            <a:bodyPr wrap="square" lIns="0" tIns="0" rIns="0" bIns="0" rtlCol="0">
+              <a:spAutoFit/>
+            </a:bodyPr>
+            <a:lstStyle/>
+            <a:p>
+              <a:endParaRPr/>
+            </a:p>
+          </p:txBody>
+        </p:sp>
+        <p:sp>
+          <p:nvSpPr>
+            <p:cNvPr id="7" name="object 7"/>
+            <p:cNvSpPr txBox="1"/>
+            <p:nvPr/>
+          </p:nvSpPr>
+          <p:spPr>
+            <a:xfrm>
+              <a:off x="5960623" y="13924184"/>
+              <a:ext cx="4500000" cy="369332"/>
+            </a:xfrm>
+            <a:prstGeom prst="rect">
+              <a:avLst/>
+            </a:prstGeom>
+          </p:spPr>
+          <p:txBody>
+            <a:bodyPr vert="horz" wrap="square" lIns="0" tIns="0" rIns="0" bIns="0" rtlCol="0">
+              <a:spAutoFit/>
+            </a:bodyPr>
+            <a:lstStyle/>
+            <a:p>
+              <a:pPr marL="12699"/>
+              <a:r>
+                <a:rPr lang="de-DE" sz="2400" b="1" spc="-20" dirty="0">
+                  <a:solidFill>
+                    <a:srgbClr val="546670"/>
+                  </a:solidFill>
+                  <a:latin typeface="Calibri"/>
+                  <a:cs typeface="Calibri"/>
+                </a:rPr>
+                <a:t>Michael Maag, TINF19B1</a:t>
               </a:r>
               <a:endParaRPr sz="2400" b="1" spc="-20" dirty="0">
                 <a:solidFill>
@@ -13454,7 +14297,7 @@
           </p:cNvPicPr>
           <p:nvPr/>
         </p:nvPicPr>
-        <p:blipFill>
+        <p:blipFill rotWithShape="1">
           <a:blip r:embed="rId4">
             <a:extLst>
               <a:ext uri="{28A0092B-C50C-407E-A947-70E740481C1C}">
@@ -13462,15 +14305,13 @@
               </a:ext>
             </a:extLst>
           </a:blip>
-          <a:srcRect/>
-          <a:stretch>
-            <a:fillRect/>
-          </a:stretch>
+          <a:srcRect l="15232" t="7611" r="15435" b="15352"/>
+          <a:stretch/>
         </p:blipFill>
         <p:spPr bwMode="auto">
           <a:xfrm>
-            <a:off x="8896503" y="6311542"/>
-            <a:ext cx="11430000" cy="6429375"/>
+            <a:off x="10617199" y="6800849"/>
+            <a:ext cx="7924801" cy="4953001"/>
           </a:xfrm>
           <a:prstGeom prst="rect">
             <a:avLst/>
@@ -13495,7 +14336,7 @@
         </p:nvSpPr>
         <p:spPr>
           <a:xfrm>
-            <a:off x="2440042" y="7650718"/>
+            <a:off x="2415463" y="7778310"/>
             <a:ext cx="7000875" cy="369332"/>
           </a:xfrm>
           <a:prstGeom prst="rect">
@@ -13559,7 +14400,7 @@
         </p:nvSpPr>
         <p:spPr>
           <a:xfrm>
-            <a:off x="11111065" y="12134850"/>
+            <a:off x="11150600" y="12019184"/>
             <a:ext cx="7000875" cy="369332"/>
           </a:xfrm>
           <a:prstGeom prst="rect">
@@ -13611,7 +14452,7 @@
     </p:spTree>
     <p:extLst>
       <p:ext uri="{BB962C8B-B14F-4D97-AF65-F5344CB8AC3E}">
-        <p14:creationId xmlns:p14="http://schemas.microsoft.com/office/powerpoint/2010/main" val="72599795"/>
+        <p14:creationId xmlns:p14="http://schemas.microsoft.com/office/powerpoint/2010/main" val="1765202718"/>
       </p:ext>
     </p:extLst>
   </p:cSld>
@@ -13628,7 +14469,7 @@
 </p:sld>
 </file>
 
-<file path=ppt/slides/slide4.xml><?xml version="1.0" encoding="utf-8"?>
+<file path=ppt/slides/slide5.xml><?xml version="1.0" encoding="utf-8"?>
 <p:sld xmlns:a="http://schemas.openxmlformats.org/drawingml/2006/main" xmlns:r="http://schemas.openxmlformats.org/officeDocument/2006/relationships" xmlns:p="http://schemas.openxmlformats.org/presentationml/2006/main">
   <p:cSld>
     <p:spTree>
@@ -13847,7 +14688,53 @@
                   <a:latin typeface="Calibri"/>
                   <a:cs typeface="Calibri"/>
                 </a:rPr>
-                <a:t>Michael Maag, </a:t>
+                <a:t>Michael Maag, TINF19B1</a:t>
+              </a:r>
+              <a:endParaRPr sz="2400" b="1" spc="-20" dirty="0">
+                <a:solidFill>
+                  <a:srgbClr val="546670"/>
+                </a:solidFill>
+                <a:latin typeface="Calibri"/>
+                <a:cs typeface="Calibri"/>
+              </a:endParaRPr>
+            </a:p>
+          </p:txBody>
+        </p:sp>
+        <p:sp>
+          <p:nvSpPr>
+            <p:cNvPr id="12" name="object 7"/>
+            <p:cNvSpPr txBox="1"/>
+            <p:nvPr/>
+          </p:nvSpPr>
+          <p:spPr>
+            <a:xfrm>
+              <a:off x="10460623" y="13924184"/>
+              <a:ext cx="4500000" cy="369332"/>
+            </a:xfrm>
+            <a:prstGeom prst="rect">
+              <a:avLst/>
+            </a:prstGeom>
+          </p:spPr>
+          <p:txBody>
+            <a:bodyPr vert="horz" wrap="square" lIns="0" tIns="0" rIns="0" bIns="0" rtlCol="0">
+              <a:spAutoFit/>
+            </a:bodyPr>
+            <a:lstStyle/>
+            <a:p>
+              <a:pPr marL="12699">
+                <a:spcBef>
+                  <a:spcPts val="370"/>
+                </a:spcBef>
+              </a:pPr>
+              <a:r>
+                <a:rPr lang="de-DE" sz="2400" b="1" spc="-20" dirty="0" smtClean="0">
+                  <a:solidFill>
+                    <a:srgbClr val="546670"/>
+                  </a:solidFill>
+                  <a:latin typeface="Calibri"/>
+                  <a:cs typeface="Calibri"/>
+                </a:rPr>
+                <a:t>Betreuer</a:t>
               </a:r>
               <a:r>
                 <a:rPr lang="de-DE" sz="2400" b="1" spc="-20" dirty="0">
@@ -13857,7 +14744,904 @@
                   <a:latin typeface="Calibri"/>
                   <a:cs typeface="Calibri"/>
                 </a:rPr>
-                <a:t>TINF19B1</a:t>
+                <a:t>: Herr Strand</a:t>
+              </a:r>
+              <a:endParaRPr sz="2400" dirty="0">
+                <a:latin typeface="Calibri"/>
+                <a:cs typeface="Calibri"/>
+              </a:endParaRPr>
+            </a:p>
+          </p:txBody>
+        </p:sp>
+      </p:grpSp>
+      <p:sp>
+        <p:nvSpPr>
+          <p:cNvPr id="14" name="object 6"/>
+          <p:cNvSpPr txBox="1"/>
+          <p:nvPr/>
+        </p:nvSpPr>
+        <p:spPr>
+          <a:xfrm>
+            <a:off x="2036183" y="4794912"/>
+            <a:ext cx="10800000" cy="492443"/>
+          </a:xfrm>
+          <a:prstGeom prst="rect">
+            <a:avLst/>
+          </a:prstGeom>
+        </p:spPr>
+        <p:txBody>
+          <a:bodyPr vert="horz" wrap="square" lIns="0" tIns="0" rIns="0" bIns="0" rtlCol="0">
+            <a:spAutoFit/>
+          </a:bodyPr>
+          <a:lstStyle/>
+          <a:p>
+            <a:pPr marL="12699" marR="6350"/>
+            <a:r>
+              <a:rPr lang="de-DE" sz="3200" spc="-204" dirty="0" smtClean="0">
+                <a:latin typeface="Arial" panose="020B0604020202020204" pitchFamily="34" charset="0"/>
+                <a:cs typeface="Arial" panose="020B0604020202020204" pitchFamily="34" charset="0"/>
+              </a:rPr>
+              <a:t>Aufbau</a:t>
+            </a:r>
+            <a:endParaRPr sz="3200" dirty="0">
+              <a:latin typeface="Arial" panose="020B0604020202020204" pitchFamily="34" charset="0"/>
+              <a:cs typeface="Arial" panose="020B0604020202020204" pitchFamily="34" charset="0"/>
+            </a:endParaRPr>
+          </a:p>
+        </p:txBody>
+      </p:sp>
+      <p:sp>
+        <p:nvSpPr>
+          <p:cNvPr id="15" name="object 6"/>
+          <p:cNvSpPr txBox="1"/>
+          <p:nvPr/>
+        </p:nvSpPr>
+        <p:spPr>
+          <a:xfrm>
+            <a:off x="2036183" y="5546992"/>
+            <a:ext cx="10800000" cy="492443"/>
+          </a:xfrm>
+          <a:prstGeom prst="rect">
+            <a:avLst/>
+          </a:prstGeom>
+        </p:spPr>
+        <p:txBody>
+          <a:bodyPr vert="horz" wrap="square" lIns="0" tIns="0" rIns="0" bIns="0" rtlCol="0">
+            <a:spAutoFit/>
+          </a:bodyPr>
+          <a:lstStyle/>
+          <a:p>
+            <a:pPr marL="12699" marR="6350"/>
+            <a:r>
+              <a:rPr lang="de-DE" sz="3200" spc="-204" dirty="0" smtClean="0">
+                <a:latin typeface="Arial" panose="020B0604020202020204" pitchFamily="34" charset="0"/>
+                <a:cs typeface="Arial" panose="020B0604020202020204" pitchFamily="34" charset="0"/>
+              </a:rPr>
+              <a:t>Erstinbetriebnahme / Konfiguration</a:t>
+            </a:r>
+            <a:endParaRPr sz="3200" dirty="0">
+              <a:latin typeface="Arial" panose="020B0604020202020204" pitchFamily="34" charset="0"/>
+              <a:cs typeface="Arial" panose="020B0604020202020204" pitchFamily="34" charset="0"/>
+            </a:endParaRPr>
+          </a:p>
+        </p:txBody>
+      </p:sp>
+      <p:pic>
+        <p:nvPicPr>
+          <p:cNvPr id="1026" name="Picture 2" descr="QGroundControl compass calibration"/>
+          <p:cNvPicPr>
+            <a:picLocks noChangeAspect="1" noChangeArrowheads="1"/>
+          </p:cNvPicPr>
+          <p:nvPr/>
+        </p:nvPicPr>
+        <p:blipFill rotWithShape="1">
+          <a:blip r:embed="rId3">
+            <a:extLst>
+              <a:ext uri="{28A0092B-C50C-407E-A947-70E740481C1C}">
+                <a14:useLocalDpi xmlns:a14="http://schemas.microsoft.com/office/drawing/2010/main" val="0"/>
+              </a:ext>
+            </a:extLst>
+          </a:blip>
+          <a:srcRect l="5053" t="5436" r="5487" b="9300"/>
+          <a:stretch/>
+        </p:blipFill>
+        <p:spPr bwMode="auto">
+          <a:xfrm>
+            <a:off x="8635999" y="5581650"/>
+            <a:ext cx="9525001" cy="6400800"/>
+          </a:xfrm>
+          <a:prstGeom prst="rect">
+            <a:avLst/>
+          </a:prstGeom>
+          <a:noFill/>
+          <a:extLst>
+            <a:ext uri="{909E8E84-426E-40DD-AFC4-6F175D3DCCD1}">
+              <a14:hiddenFill xmlns:a14="http://schemas.microsoft.com/office/drawing/2010/main">
+                <a:solidFill>
+                  <a:srgbClr val="FFFFFF"/>
+                </a:solidFill>
+              </a14:hiddenFill>
+            </a:ext>
+          </a:extLst>
+        </p:spPr>
+      </p:pic>
+      <p:sp>
+        <p:nvSpPr>
+          <p:cNvPr id="19" name="object 6"/>
+          <p:cNvSpPr txBox="1"/>
+          <p:nvPr/>
+        </p:nvSpPr>
+        <p:spPr>
+          <a:xfrm>
+            <a:off x="10236200" y="12276745"/>
+            <a:ext cx="7000875" cy="369332"/>
+          </a:xfrm>
+          <a:prstGeom prst="rect">
+            <a:avLst/>
+          </a:prstGeom>
+        </p:spPr>
+        <p:txBody>
+          <a:bodyPr vert="horz" wrap="square" lIns="0" tIns="0" rIns="0" bIns="0" rtlCol="0">
+            <a:spAutoFit/>
+          </a:bodyPr>
+          <a:lstStyle/>
+          <a:p>
+            <a:pPr marL="12699" marR="6350" algn="ctr"/>
+            <a:r>
+              <a:rPr lang="de-DE" sz="2400" b="1" spc="-204" dirty="0" smtClean="0">
+                <a:latin typeface="Cambria"/>
+                <a:cs typeface="Cambria"/>
+              </a:rPr>
+              <a:t>Sensor Kalibrierung mittel QGroundControl</a:t>
+            </a:r>
+            <a:r>
+              <a:rPr lang="de-DE" sz="2400" b="1" spc="-204" baseline="30000" dirty="0" smtClean="0">
+                <a:latin typeface="Cambria"/>
+                <a:cs typeface="Cambria"/>
+              </a:rPr>
+              <a:t>3</a:t>
+            </a:r>
+            <a:endParaRPr sz="2400" baseline="30000" dirty="0">
+              <a:latin typeface="Cambria"/>
+              <a:cs typeface="Cambria"/>
+            </a:endParaRPr>
+          </a:p>
+        </p:txBody>
+      </p:sp>
+    </p:spTree>
+    <p:extLst>
+      <p:ext uri="{BB962C8B-B14F-4D97-AF65-F5344CB8AC3E}">
+        <p14:creationId xmlns:p14="http://schemas.microsoft.com/office/powerpoint/2010/main" val="744472470"/>
+      </p:ext>
+    </p:extLst>
+  </p:cSld>
+  <p:clrMapOvr>
+    <a:masterClrMapping/>
+  </p:clrMapOvr>
+  <p:timing>
+    <p:tnLst>
+      <p:par>
+        <p:cTn id="1" dur="indefinite" restart="never" nodeType="tmRoot"/>
+      </p:par>
+    </p:tnLst>
+  </p:timing>
+</p:sld>
+</file>
+
+<file path=ppt/slides/slide6.xml><?xml version="1.0" encoding="utf-8"?>
+<p:sld xmlns:a="http://schemas.openxmlformats.org/drawingml/2006/main" xmlns:r="http://schemas.openxmlformats.org/officeDocument/2006/relationships" xmlns:p="http://schemas.openxmlformats.org/presentationml/2006/main">
+  <p:cSld>
+    <p:spTree>
+      <p:nvGrpSpPr>
+        <p:cNvPr id="1" name=""/>
+        <p:cNvGrpSpPr/>
+        <p:nvPr/>
+      </p:nvGrpSpPr>
+      <p:grpSpPr>
+        <a:xfrm>
+          <a:off x="0" y="0"/>
+          <a:ext cx="0" cy="0"/>
+          <a:chOff x="0" y="0"/>
+          <a:chExt cx="0" cy="0"/>
+        </a:xfrm>
+      </p:grpSpPr>
+      <p:sp>
+        <p:nvSpPr>
+          <p:cNvPr id="6" name="object 6"/>
+          <p:cNvSpPr txBox="1"/>
+          <p:nvPr/>
+        </p:nvSpPr>
+        <p:spPr>
+          <a:xfrm>
+            <a:off x="4916183" y="3219450"/>
+            <a:ext cx="9049469" cy="553998"/>
+          </a:xfrm>
+          <a:prstGeom prst="rect">
+            <a:avLst/>
+          </a:prstGeom>
+        </p:spPr>
+        <p:txBody>
+          <a:bodyPr vert="horz" wrap="square" lIns="0" tIns="0" rIns="0" bIns="0" rtlCol="0">
+            <a:spAutoFit/>
+          </a:bodyPr>
+          <a:lstStyle/>
+          <a:p>
+            <a:pPr marL="12699" marR="6350"/>
+            <a:r>
+              <a:rPr lang="de-DE" sz="3600" b="1" spc="-204" dirty="0" smtClean="0">
+                <a:latin typeface="Cambria"/>
+                <a:cs typeface="Cambria"/>
+              </a:rPr>
+              <a:t>Aktueller Stand</a:t>
+            </a:r>
+            <a:endParaRPr sz="3600" dirty="0">
+              <a:latin typeface="Cambria"/>
+              <a:cs typeface="Cambria"/>
+            </a:endParaRPr>
+          </a:p>
+        </p:txBody>
+      </p:sp>
+      <p:pic>
+        <p:nvPicPr>
+          <p:cNvPr id="8" name="Grafik 7"/>
+          <p:cNvPicPr>
+            <a:picLocks noChangeAspect="1"/>
+          </p:cNvPicPr>
+          <p:nvPr/>
+        </p:nvPicPr>
+        <p:blipFill>
+          <a:blip r:embed="rId2" cstate="print">
+            <a:extLst>
+              <a:ext uri="{28A0092B-C50C-407E-A947-70E740481C1C}">
+                <a14:useLocalDpi xmlns:a14="http://schemas.microsoft.com/office/drawing/2010/main" val="0"/>
+              </a:ext>
+            </a:extLst>
+          </a:blip>
+          <a:stretch>
+            <a:fillRect/>
+          </a:stretch>
+        </p:blipFill>
+        <p:spPr>
+          <a:xfrm>
+            <a:off x="14996183" y="781049"/>
+            <a:ext cx="3749040" cy="1990047"/>
+          </a:xfrm>
+          <a:prstGeom prst="rect">
+            <a:avLst/>
+          </a:prstGeom>
+        </p:spPr>
+      </p:pic>
+      <p:sp>
+        <p:nvSpPr>
+          <p:cNvPr id="9" name="Textfeld 8"/>
+          <p:cNvSpPr txBox="1"/>
+          <p:nvPr/>
+        </p:nvSpPr>
+        <p:spPr>
+          <a:xfrm>
+            <a:off x="4916183" y="1052797"/>
+            <a:ext cx="7920000" cy="1446550"/>
+          </a:xfrm>
+          <a:prstGeom prst="rect">
+            <a:avLst/>
+          </a:prstGeom>
+          <a:noFill/>
+        </p:spPr>
+        <p:txBody>
+          <a:bodyPr wrap="square" rtlCol="0">
+            <a:spAutoFit/>
+          </a:bodyPr>
+          <a:lstStyle/>
+          <a:p>
+            <a:r>
+              <a:rPr lang="de-DE" sz="4400" dirty="0" err="1" smtClean="0"/>
+              <a:t>RaHM</a:t>
+            </a:r>
+            <a:r>
+              <a:rPr lang="de-DE" sz="4400" dirty="0" smtClean="0"/>
+              <a:t>-Lab:</a:t>
+            </a:r>
+          </a:p>
+          <a:p>
+            <a:r>
+              <a:rPr lang="de-DE" sz="4400" dirty="0" smtClean="0"/>
+              <a:t>Positionsregelung Drohne</a:t>
+            </a:r>
+            <a:endParaRPr lang="de-DE" sz="4400" dirty="0"/>
+          </a:p>
+        </p:txBody>
+      </p:sp>
+      <p:grpSp>
+        <p:nvGrpSpPr>
+          <p:cNvPr id="13" name="Gruppieren 12"/>
+          <p:cNvGrpSpPr/>
+          <p:nvPr/>
+        </p:nvGrpSpPr>
+        <p:grpSpPr>
+          <a:xfrm>
+            <a:off x="4916183" y="13658850"/>
+            <a:ext cx="10080000" cy="900000"/>
+            <a:chOff x="4916183" y="13658850"/>
+            <a:chExt cx="10080000" cy="900000"/>
+          </a:xfrm>
+        </p:grpSpPr>
+        <p:sp>
+          <p:nvSpPr>
+            <p:cNvPr id="4" name="object 4"/>
+            <p:cNvSpPr/>
+            <p:nvPr/>
+          </p:nvSpPr>
+          <p:spPr>
+            <a:xfrm>
+              <a:off x="4916183" y="13658850"/>
+              <a:ext cx="10080000" cy="900000"/>
+            </a:xfrm>
+            <a:custGeom>
+              <a:avLst/>
+              <a:gdLst/>
+              <a:ahLst/>
+              <a:cxnLst/>
+              <a:rect l="l" t="t" r="r" b="b"/>
+              <a:pathLst>
+                <a:path w="10015855" h="807719">
+                  <a:moveTo>
+                    <a:pt x="0" y="807351"/>
+                  </a:moveTo>
+                  <a:lnTo>
+                    <a:pt x="10015334" y="807351"/>
+                  </a:lnTo>
+                  <a:lnTo>
+                    <a:pt x="10015334" y="0"/>
+                  </a:lnTo>
+                  <a:lnTo>
+                    <a:pt x="0" y="0"/>
+                  </a:lnTo>
+                  <a:lnTo>
+                    <a:pt x="0" y="807351"/>
+                  </a:lnTo>
+                  <a:close/>
+                </a:path>
+              </a:pathLst>
+            </a:custGeom>
+            <a:solidFill>
+              <a:srgbClr val="FFFFFF"/>
+            </a:solidFill>
+          </p:spPr>
+          <p:txBody>
+            <a:bodyPr wrap="square" lIns="0" tIns="0" rIns="0" bIns="0" rtlCol="0">
+              <a:spAutoFit/>
+            </a:bodyPr>
+            <a:lstStyle/>
+            <a:p>
+              <a:endParaRPr/>
+            </a:p>
+          </p:txBody>
+        </p:sp>
+        <p:sp>
+          <p:nvSpPr>
+            <p:cNvPr id="7" name="object 7"/>
+            <p:cNvSpPr txBox="1"/>
+            <p:nvPr/>
+          </p:nvSpPr>
+          <p:spPr>
+            <a:xfrm>
+              <a:off x="5960623" y="13924184"/>
+              <a:ext cx="4500000" cy="369332"/>
+            </a:xfrm>
+            <a:prstGeom prst="rect">
+              <a:avLst/>
+            </a:prstGeom>
+          </p:spPr>
+          <p:txBody>
+            <a:bodyPr vert="horz" wrap="square" lIns="0" tIns="0" rIns="0" bIns="0" rtlCol="0">
+              <a:spAutoFit/>
+            </a:bodyPr>
+            <a:lstStyle/>
+            <a:p>
+              <a:pPr marL="12699"/>
+              <a:r>
+                <a:rPr lang="de-DE" sz="2400" b="1" spc="-20" dirty="0">
+                  <a:solidFill>
+                    <a:srgbClr val="546670"/>
+                  </a:solidFill>
+                  <a:latin typeface="Calibri"/>
+                  <a:cs typeface="Calibri"/>
+                </a:rPr>
+                <a:t>Michael Maag, TINF19B1</a:t>
+              </a:r>
+              <a:endParaRPr sz="2400" b="1" spc="-20" dirty="0">
+                <a:solidFill>
+                  <a:srgbClr val="546670"/>
+                </a:solidFill>
+                <a:latin typeface="Calibri"/>
+                <a:cs typeface="Calibri"/>
+              </a:endParaRPr>
+            </a:p>
+          </p:txBody>
+        </p:sp>
+        <p:sp>
+          <p:nvSpPr>
+            <p:cNvPr id="12" name="object 7"/>
+            <p:cNvSpPr txBox="1"/>
+            <p:nvPr/>
+          </p:nvSpPr>
+          <p:spPr>
+            <a:xfrm>
+              <a:off x="10460623" y="13924184"/>
+              <a:ext cx="4500000" cy="369332"/>
+            </a:xfrm>
+            <a:prstGeom prst="rect">
+              <a:avLst/>
+            </a:prstGeom>
+          </p:spPr>
+          <p:txBody>
+            <a:bodyPr vert="horz" wrap="square" lIns="0" tIns="0" rIns="0" bIns="0" rtlCol="0">
+              <a:spAutoFit/>
+            </a:bodyPr>
+            <a:lstStyle/>
+            <a:p>
+              <a:pPr marL="12699">
+                <a:spcBef>
+                  <a:spcPts val="370"/>
+                </a:spcBef>
+              </a:pPr>
+              <a:r>
+                <a:rPr lang="de-DE" sz="2400" b="1" spc="-20" dirty="0" smtClean="0">
+                  <a:solidFill>
+                    <a:srgbClr val="546670"/>
+                  </a:solidFill>
+                  <a:latin typeface="Calibri"/>
+                  <a:cs typeface="Calibri"/>
+                </a:rPr>
+                <a:t>Betreuer</a:t>
+              </a:r>
+              <a:r>
+                <a:rPr lang="de-DE" sz="2400" b="1" spc="-20" dirty="0">
+                  <a:solidFill>
+                    <a:srgbClr val="546670"/>
+                  </a:solidFill>
+                  <a:latin typeface="Calibri"/>
+                  <a:cs typeface="Calibri"/>
+                </a:rPr>
+                <a:t>: Herr Strand</a:t>
+              </a:r>
+              <a:endParaRPr sz="2400" dirty="0">
+                <a:latin typeface="Calibri"/>
+                <a:cs typeface="Calibri"/>
+              </a:endParaRPr>
+            </a:p>
+          </p:txBody>
+        </p:sp>
+      </p:grpSp>
+      <p:sp>
+        <p:nvSpPr>
+          <p:cNvPr id="14" name="object 6"/>
+          <p:cNvSpPr txBox="1"/>
+          <p:nvPr/>
+        </p:nvSpPr>
+        <p:spPr>
+          <a:xfrm>
+            <a:off x="2036183" y="4794912"/>
+            <a:ext cx="10800000" cy="492443"/>
+          </a:xfrm>
+          <a:prstGeom prst="rect">
+            <a:avLst/>
+          </a:prstGeom>
+        </p:spPr>
+        <p:txBody>
+          <a:bodyPr vert="horz" wrap="square" lIns="0" tIns="0" rIns="0" bIns="0" rtlCol="0">
+            <a:spAutoFit/>
+          </a:bodyPr>
+          <a:lstStyle/>
+          <a:p>
+            <a:pPr marL="12699" marR="6350"/>
+            <a:r>
+              <a:rPr lang="de-DE" sz="3200" spc="-204" dirty="0" smtClean="0">
+                <a:latin typeface="Arial" panose="020B0604020202020204" pitchFamily="34" charset="0"/>
+                <a:cs typeface="Arial" panose="020B0604020202020204" pitchFamily="34" charset="0"/>
+              </a:rPr>
+              <a:t>Aufbau</a:t>
+            </a:r>
+            <a:endParaRPr sz="3200" dirty="0">
+              <a:latin typeface="Arial" panose="020B0604020202020204" pitchFamily="34" charset="0"/>
+              <a:cs typeface="Arial" panose="020B0604020202020204" pitchFamily="34" charset="0"/>
+            </a:endParaRPr>
+          </a:p>
+        </p:txBody>
+      </p:sp>
+      <p:sp>
+        <p:nvSpPr>
+          <p:cNvPr id="15" name="object 6"/>
+          <p:cNvSpPr txBox="1"/>
+          <p:nvPr/>
+        </p:nvSpPr>
+        <p:spPr>
+          <a:xfrm>
+            <a:off x="2036183" y="5546992"/>
+            <a:ext cx="10800000" cy="492443"/>
+          </a:xfrm>
+          <a:prstGeom prst="rect">
+            <a:avLst/>
+          </a:prstGeom>
+        </p:spPr>
+        <p:txBody>
+          <a:bodyPr vert="horz" wrap="square" lIns="0" tIns="0" rIns="0" bIns="0" rtlCol="0">
+            <a:spAutoFit/>
+          </a:bodyPr>
+          <a:lstStyle/>
+          <a:p>
+            <a:pPr marL="12699" marR="6350"/>
+            <a:r>
+              <a:rPr lang="de-DE" sz="3200" spc="-204" dirty="0" smtClean="0">
+                <a:latin typeface="Arial" panose="020B0604020202020204" pitchFamily="34" charset="0"/>
+                <a:cs typeface="Arial" panose="020B0604020202020204" pitchFamily="34" charset="0"/>
+              </a:rPr>
+              <a:t>Erstinbetriebnahme / Konfiguration</a:t>
+            </a:r>
+            <a:endParaRPr sz="3200" dirty="0">
+              <a:latin typeface="Arial" panose="020B0604020202020204" pitchFamily="34" charset="0"/>
+              <a:cs typeface="Arial" panose="020B0604020202020204" pitchFamily="34" charset="0"/>
+            </a:endParaRPr>
+          </a:p>
+        </p:txBody>
+      </p:sp>
+      <p:sp>
+        <p:nvSpPr>
+          <p:cNvPr id="16" name="object 6"/>
+          <p:cNvSpPr txBox="1"/>
+          <p:nvPr/>
+        </p:nvSpPr>
+        <p:spPr>
+          <a:xfrm>
+            <a:off x="2036183" y="6296960"/>
+            <a:ext cx="10800000" cy="492443"/>
+          </a:xfrm>
+          <a:prstGeom prst="rect">
+            <a:avLst/>
+          </a:prstGeom>
+        </p:spPr>
+        <p:txBody>
+          <a:bodyPr vert="horz" wrap="square" lIns="0" tIns="0" rIns="0" bIns="0" rtlCol="0">
+            <a:spAutoFit/>
+          </a:bodyPr>
+          <a:lstStyle/>
+          <a:p>
+            <a:pPr marL="12699" marR="6350"/>
+            <a:r>
+              <a:rPr lang="de-DE" sz="3200" spc="-204" dirty="0" smtClean="0">
+                <a:latin typeface="Arial" panose="020B0604020202020204" pitchFamily="34" charset="0"/>
+                <a:cs typeface="Arial" panose="020B0604020202020204" pitchFamily="34" charset="0"/>
+              </a:rPr>
+              <a:t>Auswahl möglicher Topics / Services</a:t>
+            </a:r>
+            <a:endParaRPr sz="3200" dirty="0">
+              <a:latin typeface="Arial" panose="020B0604020202020204" pitchFamily="34" charset="0"/>
+              <a:cs typeface="Arial" panose="020B0604020202020204" pitchFamily="34" charset="0"/>
+            </a:endParaRPr>
+          </a:p>
+        </p:txBody>
+      </p:sp>
+      <p:pic>
+        <p:nvPicPr>
+          <p:cNvPr id="10" name="Grafik 9"/>
+          <p:cNvPicPr>
+            <a:picLocks noChangeAspect="1"/>
+          </p:cNvPicPr>
+          <p:nvPr/>
+        </p:nvPicPr>
+        <p:blipFill>
+          <a:blip r:embed="rId3"/>
+          <a:stretch>
+            <a:fillRect/>
+          </a:stretch>
+        </p:blipFill>
+        <p:spPr>
+          <a:xfrm>
+            <a:off x="9803197" y="3773448"/>
+            <a:ext cx="7761555" cy="9000000"/>
+          </a:xfrm>
+          <a:prstGeom prst="rect">
+            <a:avLst/>
+          </a:prstGeom>
+        </p:spPr>
+      </p:pic>
+      <p:sp>
+        <p:nvSpPr>
+          <p:cNvPr id="21" name="object 6"/>
+          <p:cNvSpPr txBox="1"/>
+          <p:nvPr/>
+        </p:nvSpPr>
+        <p:spPr>
+          <a:xfrm>
+            <a:off x="10183536" y="13043234"/>
+            <a:ext cx="7000875" cy="369332"/>
+          </a:xfrm>
+          <a:prstGeom prst="rect">
+            <a:avLst/>
+          </a:prstGeom>
+        </p:spPr>
+        <p:txBody>
+          <a:bodyPr vert="horz" wrap="square" lIns="0" tIns="0" rIns="0" bIns="0" rtlCol="0">
+            <a:spAutoFit/>
+          </a:bodyPr>
+          <a:lstStyle/>
+          <a:p>
+            <a:pPr marL="12699" marR="6350" algn="ctr"/>
+            <a:r>
+              <a:rPr lang="de-DE" sz="2400" b="1" spc="-204" dirty="0" err="1" smtClean="0">
+                <a:latin typeface="Cambria"/>
+                <a:cs typeface="Cambria"/>
+              </a:rPr>
+              <a:t>rqt_graph</a:t>
+            </a:r>
+            <a:r>
+              <a:rPr lang="de-DE" sz="2400" b="1" spc="-204" dirty="0" smtClean="0">
+                <a:latin typeface="Cambria"/>
+                <a:cs typeface="Cambria"/>
+              </a:rPr>
+              <a:t> </a:t>
+            </a:r>
+            <a:r>
+              <a:rPr lang="de-DE" sz="2400" b="1" spc="-204" dirty="0" err="1" smtClean="0">
+                <a:latin typeface="Cambria"/>
+                <a:cs typeface="Cambria"/>
+              </a:rPr>
+              <a:t>Clover</a:t>
+            </a:r>
+            <a:r>
+              <a:rPr lang="de-DE" sz="2400" b="1" spc="-204" dirty="0" smtClean="0">
+                <a:latin typeface="Cambria"/>
+                <a:cs typeface="Cambria"/>
+              </a:rPr>
+              <a:t> 4.20</a:t>
+            </a:r>
+            <a:endParaRPr sz="2400" baseline="30000" dirty="0">
+              <a:latin typeface="Cambria"/>
+              <a:cs typeface="Cambria"/>
+            </a:endParaRPr>
+          </a:p>
+        </p:txBody>
+      </p:sp>
+    </p:spTree>
+    <p:extLst>
+      <p:ext uri="{BB962C8B-B14F-4D97-AF65-F5344CB8AC3E}">
+        <p14:creationId xmlns:p14="http://schemas.microsoft.com/office/powerpoint/2010/main" val="2671651189"/>
+      </p:ext>
+    </p:extLst>
+  </p:cSld>
+  <p:clrMapOvr>
+    <a:masterClrMapping/>
+  </p:clrMapOvr>
+  <p:timing>
+    <p:tnLst>
+      <p:par>
+        <p:cTn id="1" dur="indefinite" restart="never" nodeType="tmRoot"/>
+      </p:par>
+    </p:tnLst>
+  </p:timing>
+</p:sld>
+</file>
+
+<file path=ppt/slides/slide7.xml><?xml version="1.0" encoding="utf-8"?>
+<p:sld xmlns:a="http://schemas.openxmlformats.org/drawingml/2006/main" xmlns:r="http://schemas.openxmlformats.org/officeDocument/2006/relationships" xmlns:p="http://schemas.openxmlformats.org/presentationml/2006/main">
+  <p:cSld>
+    <p:spTree>
+      <p:nvGrpSpPr>
+        <p:cNvPr id="1" name=""/>
+        <p:cNvGrpSpPr/>
+        <p:nvPr/>
+      </p:nvGrpSpPr>
+      <p:grpSpPr>
+        <a:xfrm>
+          <a:off x="0" y="0"/>
+          <a:ext cx="0" cy="0"/>
+          <a:chOff x="0" y="0"/>
+          <a:chExt cx="0" cy="0"/>
+        </a:xfrm>
+      </p:grpSpPr>
+      <p:sp>
+        <p:nvSpPr>
+          <p:cNvPr id="6" name="object 6"/>
+          <p:cNvSpPr txBox="1"/>
+          <p:nvPr/>
+        </p:nvSpPr>
+        <p:spPr>
+          <a:xfrm>
+            <a:off x="4916183" y="3219450"/>
+            <a:ext cx="9049469" cy="553998"/>
+          </a:xfrm>
+          <a:prstGeom prst="rect">
+            <a:avLst/>
+          </a:prstGeom>
+        </p:spPr>
+        <p:txBody>
+          <a:bodyPr vert="horz" wrap="square" lIns="0" tIns="0" rIns="0" bIns="0" rtlCol="0">
+            <a:spAutoFit/>
+          </a:bodyPr>
+          <a:lstStyle/>
+          <a:p>
+            <a:pPr marL="12699" marR="6350"/>
+            <a:r>
+              <a:rPr lang="de-DE" sz="3600" b="1" spc="-204" dirty="0" smtClean="0">
+                <a:latin typeface="Cambria"/>
+                <a:cs typeface="Cambria"/>
+              </a:rPr>
+              <a:t>Aktueller Stand</a:t>
+            </a:r>
+            <a:endParaRPr sz="3600" dirty="0">
+              <a:latin typeface="Cambria"/>
+              <a:cs typeface="Cambria"/>
+            </a:endParaRPr>
+          </a:p>
+        </p:txBody>
+      </p:sp>
+      <p:pic>
+        <p:nvPicPr>
+          <p:cNvPr id="8" name="Grafik 7"/>
+          <p:cNvPicPr>
+            <a:picLocks noChangeAspect="1"/>
+          </p:cNvPicPr>
+          <p:nvPr/>
+        </p:nvPicPr>
+        <p:blipFill>
+          <a:blip r:embed="rId2" cstate="print">
+            <a:extLst>
+              <a:ext uri="{28A0092B-C50C-407E-A947-70E740481C1C}">
+                <a14:useLocalDpi xmlns:a14="http://schemas.microsoft.com/office/drawing/2010/main" val="0"/>
+              </a:ext>
+            </a:extLst>
+          </a:blip>
+          <a:stretch>
+            <a:fillRect/>
+          </a:stretch>
+        </p:blipFill>
+        <p:spPr>
+          <a:xfrm>
+            <a:off x="14996183" y="781049"/>
+            <a:ext cx="3749040" cy="1990047"/>
+          </a:xfrm>
+          <a:prstGeom prst="rect">
+            <a:avLst/>
+          </a:prstGeom>
+        </p:spPr>
+      </p:pic>
+      <p:sp>
+        <p:nvSpPr>
+          <p:cNvPr id="9" name="Textfeld 8"/>
+          <p:cNvSpPr txBox="1"/>
+          <p:nvPr/>
+        </p:nvSpPr>
+        <p:spPr>
+          <a:xfrm>
+            <a:off x="4916183" y="1052797"/>
+            <a:ext cx="7920000" cy="1446550"/>
+          </a:xfrm>
+          <a:prstGeom prst="rect">
+            <a:avLst/>
+          </a:prstGeom>
+          <a:noFill/>
+        </p:spPr>
+        <p:txBody>
+          <a:bodyPr wrap="square" rtlCol="0">
+            <a:spAutoFit/>
+          </a:bodyPr>
+          <a:lstStyle/>
+          <a:p>
+            <a:r>
+              <a:rPr lang="de-DE" sz="4400" dirty="0" err="1" smtClean="0"/>
+              <a:t>RaHM</a:t>
+            </a:r>
+            <a:r>
+              <a:rPr lang="de-DE" sz="4400" dirty="0" smtClean="0"/>
+              <a:t>-Lab:</a:t>
+            </a:r>
+          </a:p>
+          <a:p>
+            <a:r>
+              <a:rPr lang="de-DE" sz="4400" dirty="0" smtClean="0"/>
+              <a:t>Positionsregelung Drohne</a:t>
+            </a:r>
+            <a:endParaRPr lang="de-DE" sz="4400" dirty="0"/>
+          </a:p>
+        </p:txBody>
+      </p:sp>
+      <p:grpSp>
+        <p:nvGrpSpPr>
+          <p:cNvPr id="13" name="Gruppieren 12"/>
+          <p:cNvGrpSpPr/>
+          <p:nvPr/>
+        </p:nvGrpSpPr>
+        <p:grpSpPr>
+          <a:xfrm>
+            <a:off x="4916183" y="13658850"/>
+            <a:ext cx="10080000" cy="900000"/>
+            <a:chOff x="4916183" y="13658850"/>
+            <a:chExt cx="10080000" cy="900000"/>
+          </a:xfrm>
+        </p:grpSpPr>
+        <p:sp>
+          <p:nvSpPr>
+            <p:cNvPr id="4" name="object 4"/>
+            <p:cNvSpPr/>
+            <p:nvPr/>
+          </p:nvSpPr>
+          <p:spPr>
+            <a:xfrm>
+              <a:off x="4916183" y="13658850"/>
+              <a:ext cx="10080000" cy="900000"/>
+            </a:xfrm>
+            <a:custGeom>
+              <a:avLst/>
+              <a:gdLst/>
+              <a:ahLst/>
+              <a:cxnLst/>
+              <a:rect l="l" t="t" r="r" b="b"/>
+              <a:pathLst>
+                <a:path w="10015855" h="807719">
+                  <a:moveTo>
+                    <a:pt x="0" y="807351"/>
+                  </a:moveTo>
+                  <a:lnTo>
+                    <a:pt x="10015334" y="807351"/>
+                  </a:lnTo>
+                  <a:lnTo>
+                    <a:pt x="10015334" y="0"/>
+                  </a:lnTo>
+                  <a:lnTo>
+                    <a:pt x="0" y="0"/>
+                  </a:lnTo>
+                  <a:lnTo>
+                    <a:pt x="0" y="807351"/>
+                  </a:lnTo>
+                  <a:close/>
+                </a:path>
+              </a:pathLst>
+            </a:custGeom>
+            <a:solidFill>
+              <a:srgbClr val="FFFFFF"/>
+            </a:solidFill>
+          </p:spPr>
+          <p:txBody>
+            <a:bodyPr wrap="square" lIns="0" tIns="0" rIns="0" bIns="0" rtlCol="0">
+              <a:spAutoFit/>
+            </a:bodyPr>
+            <a:lstStyle/>
+            <a:p>
+              <a:endParaRPr/>
+            </a:p>
+          </p:txBody>
+        </p:sp>
+        <p:sp>
+          <p:nvSpPr>
+            <p:cNvPr id="7" name="object 7"/>
+            <p:cNvSpPr txBox="1"/>
+            <p:nvPr/>
+          </p:nvSpPr>
+          <p:spPr>
+            <a:xfrm>
+              <a:off x="5960623" y="13924184"/>
+              <a:ext cx="4500000" cy="369332"/>
+            </a:xfrm>
+            <a:prstGeom prst="rect">
+              <a:avLst/>
+            </a:prstGeom>
+          </p:spPr>
+          <p:txBody>
+            <a:bodyPr vert="horz" wrap="square" lIns="0" tIns="0" rIns="0" bIns="0" rtlCol="0">
+              <a:spAutoFit/>
+            </a:bodyPr>
+            <a:lstStyle/>
+            <a:p>
+              <a:pPr marL="12699"/>
+              <a:r>
+                <a:rPr lang="de-DE" sz="2400" b="1" spc="-20" dirty="0">
+                  <a:solidFill>
+                    <a:srgbClr val="546670"/>
+                  </a:solidFill>
+                  <a:latin typeface="Calibri"/>
+                  <a:cs typeface="Calibri"/>
+                </a:rPr>
+                <a:t>Michael Maag, TINF19B1</a:t>
               </a:r>
               <a:endParaRPr sz="2400" b="1" spc="-20" dirty="0">
                 <a:solidFill>
@@ -13945,7 +15729,7 @@
         </p:blipFill>
         <p:spPr>
           <a:xfrm>
-            <a:off x="12856503" y="4038782"/>
+            <a:off x="12831103" y="3773448"/>
             <a:ext cx="4735585" cy="9000000"/>
           </a:xfrm>
           <a:prstGeom prst="rect">
@@ -14099,14 +15883,14 @@
       </p:sp>
       <p:sp>
         <p:nvSpPr>
-          <p:cNvPr id="18" name="object 6"/>
+          <p:cNvPr id="20" name="object 6"/>
           <p:cNvSpPr txBox="1"/>
           <p:nvPr/>
         </p:nvSpPr>
         <p:spPr>
           <a:xfrm>
-            <a:off x="2004506" y="7796896"/>
-            <a:ext cx="10800000" cy="492443"/>
+            <a:off x="11698457" y="13042592"/>
+            <a:ext cx="7000875" cy="369332"/>
           </a:xfrm>
           <a:prstGeom prst="rect">
             <a:avLst/>
@@ -14118,17 +15902,17 @@
           </a:bodyPr>
           <a:lstStyle/>
           <a:p>
-            <a:pPr marL="12699" marR="6350"/>
-            <a:r>
-              <a:rPr lang="de-DE" sz="3200" spc="-204" dirty="0" smtClean="0">
-                <a:latin typeface="Arial" panose="020B0604020202020204" pitchFamily="34" charset="0"/>
-                <a:cs typeface="Arial" panose="020B0604020202020204" pitchFamily="34" charset="0"/>
+            <a:pPr marL="12699" marR="6350" algn="ctr"/>
+            <a:r>
+              <a:rPr lang="de-DE" sz="2400" b="1" spc="-204" dirty="0" smtClean="0">
+                <a:latin typeface="Cambria"/>
+                <a:cs typeface="Cambria"/>
               </a:rPr>
-              <a:t>Test der gewünschten Topics / Services</a:t>
-            </a:r>
-            <a:endParaRPr sz="3200" dirty="0">
-              <a:latin typeface="Arial" panose="020B0604020202020204" pitchFamily="34" charset="0"/>
-              <a:cs typeface="Arial" panose="020B0604020202020204" pitchFamily="34" charset="0"/>
+              <a:t>Architektur</a:t>
+            </a:r>
+            <a:endParaRPr sz="2400" baseline="30000" dirty="0">
+              <a:latin typeface="Cambria"/>
+              <a:cs typeface="Cambria"/>
             </a:endParaRPr>
           </a:p>
         </p:txBody>
@@ -14136,7 +15920,7 @@
     </p:spTree>
     <p:extLst>
       <p:ext uri="{BB962C8B-B14F-4D97-AF65-F5344CB8AC3E}">
-        <p14:creationId xmlns:p14="http://schemas.microsoft.com/office/powerpoint/2010/main" val="744472470"/>
+        <p14:creationId xmlns:p14="http://schemas.microsoft.com/office/powerpoint/2010/main" val="2708064242"/>
       </p:ext>
     </p:extLst>
   </p:cSld>
@@ -14153,7 +15937,7 @@
 </p:sld>
 </file>
 
-<file path=ppt/slides/slide5.xml><?xml version="1.0" encoding="utf-8"?>
+<file path=ppt/slides/slide8.xml><?xml version="1.0" encoding="utf-8"?>
 <p:sld xmlns:a="http://schemas.openxmlformats.org/drawingml/2006/main" xmlns:r="http://schemas.openxmlformats.org/officeDocument/2006/relationships" xmlns:p="http://schemas.openxmlformats.org/presentationml/2006/main">
   <p:cSld>
     <p:spTree>
@@ -14193,11 +15977,11 @@
           <a:p>
             <a:pPr marL="12699" marR="6350"/>
             <a:r>
-              <a:rPr lang="de-DE" sz="3600" b="1" spc="-204" dirty="0" err="1" smtClean="0">
+              <a:rPr lang="de-DE" sz="3600" b="1" spc="-204" dirty="0" smtClean="0">
                 <a:latin typeface="Cambria"/>
                 <a:cs typeface="Cambria"/>
               </a:rPr>
-              <a:t>ToDo</a:t>
+              <a:t>Aktueller Stand</a:t>
             </a:r>
             <a:endParaRPr sz="3600" dirty="0">
               <a:latin typeface="Cambria"/>
@@ -14372,7 +16156,53 @@
                   <a:latin typeface="Calibri"/>
                   <a:cs typeface="Calibri"/>
                 </a:rPr>
-                <a:t>Michael Maag, </a:t>
+                <a:t>Michael Maag, TINF19B1</a:t>
+              </a:r>
+              <a:endParaRPr sz="2400" b="1" spc="-20" dirty="0">
+                <a:solidFill>
+                  <a:srgbClr val="546670"/>
+                </a:solidFill>
+                <a:latin typeface="Calibri"/>
+                <a:cs typeface="Calibri"/>
+              </a:endParaRPr>
+            </a:p>
+          </p:txBody>
+        </p:sp>
+        <p:sp>
+          <p:nvSpPr>
+            <p:cNvPr id="12" name="object 7"/>
+            <p:cNvSpPr txBox="1"/>
+            <p:nvPr/>
+          </p:nvSpPr>
+          <p:spPr>
+            <a:xfrm>
+              <a:off x="10460623" y="13924184"/>
+              <a:ext cx="4500000" cy="369332"/>
+            </a:xfrm>
+            <a:prstGeom prst="rect">
+              <a:avLst/>
+            </a:prstGeom>
+          </p:spPr>
+          <p:txBody>
+            <a:bodyPr vert="horz" wrap="square" lIns="0" tIns="0" rIns="0" bIns="0" rtlCol="0">
+              <a:spAutoFit/>
+            </a:bodyPr>
+            <a:lstStyle/>
+            <a:p>
+              <a:pPr marL="12699">
+                <a:spcBef>
+                  <a:spcPts val="370"/>
+                </a:spcBef>
+              </a:pPr>
+              <a:r>
+                <a:rPr lang="de-DE" sz="2400" b="1" spc="-20" dirty="0" smtClean="0">
+                  <a:solidFill>
+                    <a:srgbClr val="546670"/>
+                  </a:solidFill>
+                  <a:latin typeface="Calibri"/>
+                  <a:cs typeface="Calibri"/>
+                </a:rPr>
+                <a:t>Betreuer</a:t>
               </a:r>
               <a:r>
                 <a:rPr lang="de-DE" sz="2400" b="1" spc="-20" dirty="0">
@@ -14382,7 +16212,436 @@
                   <a:latin typeface="Calibri"/>
                   <a:cs typeface="Calibri"/>
                 </a:rPr>
-                <a:t>TINF19B1</a:t>
+                <a:t>: Herr Strand</a:t>
+              </a:r>
+              <a:endParaRPr sz="2400" dirty="0">
+                <a:latin typeface="Calibri"/>
+                <a:cs typeface="Calibri"/>
+              </a:endParaRPr>
+            </a:p>
+          </p:txBody>
+        </p:sp>
+      </p:grpSp>
+      <p:sp>
+        <p:nvSpPr>
+          <p:cNvPr id="14" name="object 6"/>
+          <p:cNvSpPr txBox="1"/>
+          <p:nvPr/>
+        </p:nvSpPr>
+        <p:spPr>
+          <a:xfrm>
+            <a:off x="2036183" y="4794912"/>
+            <a:ext cx="10800000" cy="492443"/>
+          </a:xfrm>
+          <a:prstGeom prst="rect">
+            <a:avLst/>
+          </a:prstGeom>
+        </p:spPr>
+        <p:txBody>
+          <a:bodyPr vert="horz" wrap="square" lIns="0" tIns="0" rIns="0" bIns="0" rtlCol="0">
+            <a:spAutoFit/>
+          </a:bodyPr>
+          <a:lstStyle/>
+          <a:p>
+            <a:pPr marL="12699" marR="6350"/>
+            <a:r>
+              <a:rPr lang="de-DE" sz="3200" spc="-204" dirty="0" smtClean="0">
+                <a:latin typeface="Arial" panose="020B0604020202020204" pitchFamily="34" charset="0"/>
+                <a:cs typeface="Arial" panose="020B0604020202020204" pitchFamily="34" charset="0"/>
+              </a:rPr>
+              <a:t>Aufbau</a:t>
+            </a:r>
+            <a:endParaRPr sz="3200" dirty="0">
+              <a:latin typeface="Arial" panose="020B0604020202020204" pitchFamily="34" charset="0"/>
+              <a:cs typeface="Arial" panose="020B0604020202020204" pitchFamily="34" charset="0"/>
+            </a:endParaRPr>
+          </a:p>
+        </p:txBody>
+      </p:sp>
+      <p:sp>
+        <p:nvSpPr>
+          <p:cNvPr id="15" name="object 6"/>
+          <p:cNvSpPr txBox="1"/>
+          <p:nvPr/>
+        </p:nvSpPr>
+        <p:spPr>
+          <a:xfrm>
+            <a:off x="2036183" y="5546992"/>
+            <a:ext cx="10800000" cy="492443"/>
+          </a:xfrm>
+          <a:prstGeom prst="rect">
+            <a:avLst/>
+          </a:prstGeom>
+        </p:spPr>
+        <p:txBody>
+          <a:bodyPr vert="horz" wrap="square" lIns="0" tIns="0" rIns="0" bIns="0" rtlCol="0">
+            <a:spAutoFit/>
+          </a:bodyPr>
+          <a:lstStyle/>
+          <a:p>
+            <a:pPr marL="12699" marR="6350"/>
+            <a:r>
+              <a:rPr lang="de-DE" sz="3200" spc="-204" dirty="0" smtClean="0">
+                <a:latin typeface="Arial" panose="020B0604020202020204" pitchFamily="34" charset="0"/>
+                <a:cs typeface="Arial" panose="020B0604020202020204" pitchFamily="34" charset="0"/>
+              </a:rPr>
+              <a:t>Erstinbetriebnahme / Konfiguration</a:t>
+            </a:r>
+            <a:endParaRPr sz="3200" dirty="0">
+              <a:latin typeface="Arial" panose="020B0604020202020204" pitchFamily="34" charset="0"/>
+              <a:cs typeface="Arial" panose="020B0604020202020204" pitchFamily="34" charset="0"/>
+            </a:endParaRPr>
+          </a:p>
+        </p:txBody>
+      </p:sp>
+      <p:sp>
+        <p:nvSpPr>
+          <p:cNvPr id="16" name="object 6"/>
+          <p:cNvSpPr txBox="1"/>
+          <p:nvPr/>
+        </p:nvSpPr>
+        <p:spPr>
+          <a:xfrm>
+            <a:off x="2036183" y="6296960"/>
+            <a:ext cx="10800000" cy="492443"/>
+          </a:xfrm>
+          <a:prstGeom prst="rect">
+            <a:avLst/>
+          </a:prstGeom>
+        </p:spPr>
+        <p:txBody>
+          <a:bodyPr vert="horz" wrap="square" lIns="0" tIns="0" rIns="0" bIns="0" rtlCol="0">
+            <a:spAutoFit/>
+          </a:bodyPr>
+          <a:lstStyle/>
+          <a:p>
+            <a:pPr marL="12699" marR="6350"/>
+            <a:r>
+              <a:rPr lang="de-DE" sz="3200" spc="-204" dirty="0" smtClean="0">
+                <a:latin typeface="Arial" panose="020B0604020202020204" pitchFamily="34" charset="0"/>
+                <a:cs typeface="Arial" panose="020B0604020202020204" pitchFamily="34" charset="0"/>
+              </a:rPr>
+              <a:t>Auswahl möglicher Topics / Services</a:t>
+            </a:r>
+            <a:endParaRPr sz="3200" dirty="0">
+              <a:latin typeface="Arial" panose="020B0604020202020204" pitchFamily="34" charset="0"/>
+              <a:cs typeface="Arial" panose="020B0604020202020204" pitchFamily="34" charset="0"/>
+            </a:endParaRPr>
+          </a:p>
+        </p:txBody>
+      </p:sp>
+      <p:sp>
+        <p:nvSpPr>
+          <p:cNvPr id="17" name="object 6"/>
+          <p:cNvSpPr txBox="1"/>
+          <p:nvPr/>
+        </p:nvSpPr>
+        <p:spPr>
+          <a:xfrm>
+            <a:off x="2031103" y="7046928"/>
+            <a:ext cx="10800000" cy="492443"/>
+          </a:xfrm>
+          <a:prstGeom prst="rect">
+            <a:avLst/>
+          </a:prstGeom>
+        </p:spPr>
+        <p:txBody>
+          <a:bodyPr vert="horz" wrap="square" lIns="0" tIns="0" rIns="0" bIns="0" rtlCol="0">
+            <a:spAutoFit/>
+          </a:bodyPr>
+          <a:lstStyle/>
+          <a:p>
+            <a:pPr marL="12699" marR="6350"/>
+            <a:r>
+              <a:rPr lang="de-DE" sz="3200" spc="-204" dirty="0" smtClean="0">
+                <a:latin typeface="Arial" panose="020B0604020202020204" pitchFamily="34" charset="0"/>
+                <a:cs typeface="Arial" panose="020B0604020202020204" pitchFamily="34" charset="0"/>
+              </a:rPr>
+              <a:t>Entwurf des Regelungssystems</a:t>
+            </a:r>
+            <a:endParaRPr sz="3200" dirty="0">
+              <a:latin typeface="Arial" panose="020B0604020202020204" pitchFamily="34" charset="0"/>
+              <a:cs typeface="Arial" panose="020B0604020202020204" pitchFamily="34" charset="0"/>
+            </a:endParaRPr>
+          </a:p>
+        </p:txBody>
+      </p:sp>
+      <p:sp>
+        <p:nvSpPr>
+          <p:cNvPr id="18" name="object 6"/>
+          <p:cNvSpPr txBox="1"/>
+          <p:nvPr/>
+        </p:nvSpPr>
+        <p:spPr>
+          <a:xfrm>
+            <a:off x="2004506" y="7796896"/>
+            <a:ext cx="10800000" cy="492443"/>
+          </a:xfrm>
+          <a:prstGeom prst="rect">
+            <a:avLst/>
+          </a:prstGeom>
+        </p:spPr>
+        <p:txBody>
+          <a:bodyPr vert="horz" wrap="square" lIns="0" tIns="0" rIns="0" bIns="0" rtlCol="0">
+            <a:spAutoFit/>
+          </a:bodyPr>
+          <a:lstStyle/>
+          <a:p>
+            <a:pPr marL="12699" marR="6350"/>
+            <a:r>
+              <a:rPr lang="de-DE" sz="3200" spc="-204" dirty="0" smtClean="0">
+                <a:latin typeface="Arial" panose="020B0604020202020204" pitchFamily="34" charset="0"/>
+                <a:cs typeface="Arial" panose="020B0604020202020204" pitchFamily="34" charset="0"/>
+              </a:rPr>
+              <a:t>Test der gewünschten Topics / Services</a:t>
+            </a:r>
+            <a:endParaRPr sz="3200" dirty="0">
+              <a:latin typeface="Arial" panose="020B0604020202020204" pitchFamily="34" charset="0"/>
+              <a:cs typeface="Arial" panose="020B0604020202020204" pitchFamily="34" charset="0"/>
+            </a:endParaRPr>
+          </a:p>
+        </p:txBody>
+      </p:sp>
+    </p:spTree>
+    <p:extLst>
+      <p:ext uri="{BB962C8B-B14F-4D97-AF65-F5344CB8AC3E}">
+        <p14:creationId xmlns:p14="http://schemas.microsoft.com/office/powerpoint/2010/main" val="591151976"/>
+      </p:ext>
+    </p:extLst>
+  </p:cSld>
+  <p:clrMapOvr>
+    <a:masterClrMapping/>
+  </p:clrMapOvr>
+  <p:timing>
+    <p:tnLst>
+      <p:par>
+        <p:cTn id="1" dur="indefinite" restart="never" nodeType="tmRoot"/>
+      </p:par>
+    </p:tnLst>
+  </p:timing>
+</p:sld>
+</file>
+
+<file path=ppt/slides/slide9.xml><?xml version="1.0" encoding="utf-8"?>
+<p:sld xmlns:a="http://schemas.openxmlformats.org/drawingml/2006/main" xmlns:r="http://schemas.openxmlformats.org/officeDocument/2006/relationships" xmlns:p="http://schemas.openxmlformats.org/presentationml/2006/main">
+  <p:cSld>
+    <p:spTree>
+      <p:nvGrpSpPr>
+        <p:cNvPr id="1" name=""/>
+        <p:cNvGrpSpPr/>
+        <p:nvPr/>
+      </p:nvGrpSpPr>
+      <p:grpSpPr>
+        <a:xfrm>
+          <a:off x="0" y="0"/>
+          <a:ext cx="0" cy="0"/>
+          <a:chOff x="0" y="0"/>
+          <a:chExt cx="0" cy="0"/>
+        </a:xfrm>
+      </p:grpSpPr>
+      <p:sp>
+        <p:nvSpPr>
+          <p:cNvPr id="6" name="object 6"/>
+          <p:cNvSpPr txBox="1"/>
+          <p:nvPr/>
+        </p:nvSpPr>
+        <p:spPr>
+          <a:xfrm>
+            <a:off x="4916183" y="3219450"/>
+            <a:ext cx="9049469" cy="553998"/>
+          </a:xfrm>
+          <a:prstGeom prst="rect">
+            <a:avLst/>
+          </a:prstGeom>
+        </p:spPr>
+        <p:txBody>
+          <a:bodyPr vert="horz" wrap="square" lIns="0" tIns="0" rIns="0" bIns="0" rtlCol="0">
+            <a:spAutoFit/>
+          </a:bodyPr>
+          <a:lstStyle/>
+          <a:p>
+            <a:pPr marL="12699" marR="6350"/>
+            <a:r>
+              <a:rPr lang="de-DE" sz="3600" b="1" spc="-204" dirty="0" err="1" smtClean="0">
+                <a:latin typeface="Cambria"/>
+                <a:cs typeface="Cambria"/>
+              </a:rPr>
+              <a:t>ToDo</a:t>
+            </a:r>
+            <a:endParaRPr sz="3600" dirty="0">
+              <a:latin typeface="Cambria"/>
+              <a:cs typeface="Cambria"/>
+            </a:endParaRPr>
+          </a:p>
+        </p:txBody>
+      </p:sp>
+      <p:pic>
+        <p:nvPicPr>
+          <p:cNvPr id="8" name="Grafik 7"/>
+          <p:cNvPicPr>
+            <a:picLocks noChangeAspect="1"/>
+          </p:cNvPicPr>
+          <p:nvPr/>
+        </p:nvPicPr>
+        <p:blipFill>
+          <a:blip r:embed="rId2" cstate="print">
+            <a:extLst>
+              <a:ext uri="{28A0092B-C50C-407E-A947-70E740481C1C}">
+                <a14:useLocalDpi xmlns:a14="http://schemas.microsoft.com/office/drawing/2010/main" val="0"/>
+              </a:ext>
+            </a:extLst>
+          </a:blip>
+          <a:stretch>
+            <a:fillRect/>
+          </a:stretch>
+        </p:blipFill>
+        <p:spPr>
+          <a:xfrm>
+            <a:off x="14996183" y="781049"/>
+            <a:ext cx="3749040" cy="1990047"/>
+          </a:xfrm>
+          <a:prstGeom prst="rect">
+            <a:avLst/>
+          </a:prstGeom>
+        </p:spPr>
+      </p:pic>
+      <p:sp>
+        <p:nvSpPr>
+          <p:cNvPr id="9" name="Textfeld 8"/>
+          <p:cNvSpPr txBox="1"/>
+          <p:nvPr/>
+        </p:nvSpPr>
+        <p:spPr>
+          <a:xfrm>
+            <a:off x="4916183" y="1052797"/>
+            <a:ext cx="7920000" cy="1446550"/>
+          </a:xfrm>
+          <a:prstGeom prst="rect">
+            <a:avLst/>
+          </a:prstGeom>
+          <a:noFill/>
+        </p:spPr>
+        <p:txBody>
+          <a:bodyPr wrap="square" rtlCol="0">
+            <a:spAutoFit/>
+          </a:bodyPr>
+          <a:lstStyle/>
+          <a:p>
+            <a:r>
+              <a:rPr lang="de-DE" sz="4400" dirty="0" err="1" smtClean="0"/>
+              <a:t>RaHM</a:t>
+            </a:r>
+            <a:r>
+              <a:rPr lang="de-DE" sz="4400" dirty="0" smtClean="0"/>
+              <a:t>-Lab:</a:t>
+            </a:r>
+          </a:p>
+          <a:p>
+            <a:r>
+              <a:rPr lang="de-DE" sz="4400" dirty="0" smtClean="0"/>
+              <a:t>Positionsregelung Drohne</a:t>
+            </a:r>
+            <a:endParaRPr lang="de-DE" sz="4400" dirty="0"/>
+          </a:p>
+        </p:txBody>
+      </p:sp>
+      <p:grpSp>
+        <p:nvGrpSpPr>
+          <p:cNvPr id="13" name="Gruppieren 12"/>
+          <p:cNvGrpSpPr/>
+          <p:nvPr/>
+        </p:nvGrpSpPr>
+        <p:grpSpPr>
+          <a:xfrm>
+            <a:off x="4916183" y="13658850"/>
+            <a:ext cx="10080000" cy="900000"/>
+            <a:chOff x="4916183" y="13658850"/>
+            <a:chExt cx="10080000" cy="900000"/>
+          </a:xfrm>
+        </p:grpSpPr>
+        <p:sp>
+          <p:nvSpPr>
+            <p:cNvPr id="4" name="object 4"/>
+            <p:cNvSpPr/>
+            <p:nvPr/>
+          </p:nvSpPr>
+          <p:spPr>
+            <a:xfrm>
+              <a:off x="4916183" y="13658850"/>
+              <a:ext cx="10080000" cy="900000"/>
+            </a:xfrm>
+            <a:custGeom>
+              <a:avLst/>
+              <a:gdLst/>
+              <a:ahLst/>
+              <a:cxnLst/>
+              <a:rect l="l" t="t" r="r" b="b"/>
+              <a:pathLst>
+                <a:path w="10015855" h="807719">
+                  <a:moveTo>
+                    <a:pt x="0" y="807351"/>
+                  </a:moveTo>
+                  <a:lnTo>
+                    <a:pt x="10015334" y="807351"/>
+                  </a:lnTo>
+                  <a:lnTo>
+                    <a:pt x="10015334" y="0"/>
+                  </a:lnTo>
+                  <a:lnTo>
+                    <a:pt x="0" y="0"/>
+                  </a:lnTo>
+                  <a:lnTo>
+                    <a:pt x="0" y="807351"/>
+                  </a:lnTo>
+                  <a:close/>
+                </a:path>
+              </a:pathLst>
+            </a:custGeom>
+            <a:solidFill>
+              <a:srgbClr val="FFFFFF"/>
+            </a:solidFill>
+          </p:spPr>
+          <p:txBody>
+            <a:bodyPr wrap="square" lIns="0" tIns="0" rIns="0" bIns="0" rtlCol="0">
+              <a:spAutoFit/>
+            </a:bodyPr>
+            <a:lstStyle/>
+            <a:p>
+              <a:endParaRPr/>
+            </a:p>
+          </p:txBody>
+        </p:sp>
+        <p:sp>
+          <p:nvSpPr>
+            <p:cNvPr id="7" name="object 7"/>
+            <p:cNvSpPr txBox="1"/>
+            <p:nvPr/>
+          </p:nvSpPr>
+          <p:spPr>
+            <a:xfrm>
+              <a:off x="5960623" y="13924184"/>
+              <a:ext cx="4500000" cy="369332"/>
+            </a:xfrm>
+            <a:prstGeom prst="rect">
+              <a:avLst/>
+            </a:prstGeom>
+          </p:spPr>
+          <p:txBody>
+            <a:bodyPr vert="horz" wrap="square" lIns="0" tIns="0" rIns="0" bIns="0" rtlCol="0">
+              <a:spAutoFit/>
+            </a:bodyPr>
+            <a:lstStyle/>
+            <a:p>
+              <a:pPr marL="12699"/>
+              <a:r>
+                <a:rPr lang="de-DE" sz="2400" b="1" spc="-20" dirty="0">
+                  <a:solidFill>
+                    <a:srgbClr val="546670"/>
+                  </a:solidFill>
+                  <a:latin typeface="Calibri"/>
+                  <a:cs typeface="Calibri"/>
+                </a:rPr>
+                <a:t>Michael Maag, TINF19B1</a:t>
               </a:r>
               <a:endParaRPr sz="2400" b="1" spc="-20" dirty="0">
                 <a:solidFill>
@@ -14583,7 +16842,21 @@
                 <a:latin typeface="Arial" panose="020B0604020202020204" pitchFamily="34" charset="0"/>
                 <a:cs typeface="Arial" panose="020B0604020202020204" pitchFamily="34" charset="0"/>
               </a:rPr>
-              <a:t>Nutzbarkeit der Software bewerten</a:t>
+              <a:t>Nutzbarkeit </a:t>
+            </a:r>
+            <a:r>
+              <a:rPr lang="de-DE" sz="3200" spc="-204" dirty="0" smtClean="0">
+                <a:latin typeface="Arial" panose="020B0604020202020204" pitchFamily="34" charset="0"/>
+                <a:cs typeface="Arial" panose="020B0604020202020204" pitchFamily="34" charset="0"/>
+              </a:rPr>
+              <a:t>des Systems </a:t>
+            </a:r>
+            <a:r>
+              <a:rPr lang="de-DE" sz="3200" spc="-204" dirty="0" smtClean="0">
+                <a:latin typeface="Arial" panose="020B0604020202020204" pitchFamily="34" charset="0"/>
+                <a:cs typeface="Arial" panose="020B0604020202020204" pitchFamily="34" charset="0"/>
+              </a:rPr>
+              <a:t>bewerten</a:t>
             </a:r>
             <a:endParaRPr sz="3200" dirty="0">
               <a:latin typeface="Arial" panose="020B0604020202020204" pitchFamily="34" charset="0"/>
@@ -14596,435 +16869,6 @@
     <p:extLst>
       <p:ext uri="{BB962C8B-B14F-4D97-AF65-F5344CB8AC3E}">
         <p14:creationId xmlns:p14="http://schemas.microsoft.com/office/powerpoint/2010/main" val="1600733054"/>
-      </p:ext>
-    </p:extLst>
-  </p:cSld>
-  <p:clrMapOvr>
-    <a:masterClrMapping/>
-  </p:clrMapOvr>
-  <p:timing>
-    <p:tnLst>
-      <p:par>
-        <p:cTn id="1" dur="indefinite" restart="never" nodeType="tmRoot"/>
-      </p:par>
-    </p:tnLst>
-  </p:timing>
-</p:sld>
-</file>
-
-<file path=ppt/slides/slide6.xml><?xml version="1.0" encoding="utf-8"?>
-<p:sld xmlns:a="http://schemas.openxmlformats.org/drawingml/2006/main" xmlns:r="http://schemas.openxmlformats.org/officeDocument/2006/relationships" xmlns:p="http://schemas.openxmlformats.org/presentationml/2006/main">
-  <p:cSld>
-    <p:spTree>
-      <p:nvGrpSpPr>
-        <p:cNvPr id="1" name=""/>
-        <p:cNvGrpSpPr/>
-        <p:nvPr/>
-      </p:nvGrpSpPr>
-      <p:grpSpPr>
-        <a:xfrm>
-          <a:off x="0" y="0"/>
-          <a:ext cx="0" cy="0"/>
-          <a:chOff x="0" y="0"/>
-          <a:chExt cx="0" cy="0"/>
-        </a:xfrm>
-      </p:grpSpPr>
-      <p:sp>
-        <p:nvSpPr>
-          <p:cNvPr id="6" name="object 6"/>
-          <p:cNvSpPr txBox="1"/>
-          <p:nvPr/>
-        </p:nvSpPr>
-        <p:spPr>
-          <a:xfrm>
-            <a:off x="4916183" y="3219450"/>
-            <a:ext cx="9049469" cy="553998"/>
-          </a:xfrm>
-          <a:prstGeom prst="rect">
-            <a:avLst/>
-          </a:prstGeom>
-        </p:spPr>
-        <p:txBody>
-          <a:bodyPr vert="horz" wrap="square" lIns="0" tIns="0" rIns="0" bIns="0" rtlCol="0">
-            <a:spAutoFit/>
-          </a:bodyPr>
-          <a:lstStyle/>
-          <a:p>
-            <a:pPr marL="12699" marR="6350"/>
-            <a:r>
-              <a:rPr lang="de-DE" sz="3600" b="1" spc="-204" dirty="0" smtClean="0">
-                <a:latin typeface="Cambria"/>
-                <a:cs typeface="Cambria"/>
-              </a:rPr>
-              <a:t>Quellen</a:t>
-            </a:r>
-            <a:endParaRPr sz="3600" dirty="0">
-              <a:latin typeface="Cambria"/>
-              <a:cs typeface="Cambria"/>
-            </a:endParaRPr>
-          </a:p>
-        </p:txBody>
-      </p:sp>
-      <p:pic>
-        <p:nvPicPr>
-          <p:cNvPr id="8" name="Grafik 7"/>
-          <p:cNvPicPr>
-            <a:picLocks noChangeAspect="1"/>
-          </p:cNvPicPr>
-          <p:nvPr/>
-        </p:nvPicPr>
-        <p:blipFill>
-          <a:blip r:embed="rId2" cstate="print">
-            <a:extLst>
-              <a:ext uri="{28A0092B-C50C-407E-A947-70E740481C1C}">
-                <a14:useLocalDpi xmlns:a14="http://schemas.microsoft.com/office/drawing/2010/main" val="0"/>
-              </a:ext>
-            </a:extLst>
-          </a:blip>
-          <a:stretch>
-            <a:fillRect/>
-          </a:stretch>
-        </p:blipFill>
-        <p:spPr>
-          <a:xfrm>
-            <a:off x="14996183" y="781049"/>
-            <a:ext cx="3749040" cy="1990047"/>
-          </a:xfrm>
-          <a:prstGeom prst="rect">
-            <a:avLst/>
-          </a:prstGeom>
-        </p:spPr>
-      </p:pic>
-      <p:sp>
-        <p:nvSpPr>
-          <p:cNvPr id="9" name="Textfeld 8"/>
-          <p:cNvSpPr txBox="1"/>
-          <p:nvPr/>
-        </p:nvSpPr>
-        <p:spPr>
-          <a:xfrm>
-            <a:off x="4916183" y="1052797"/>
-            <a:ext cx="7920000" cy="1446550"/>
-          </a:xfrm>
-          <a:prstGeom prst="rect">
-            <a:avLst/>
-          </a:prstGeom>
-          <a:noFill/>
-        </p:spPr>
-        <p:txBody>
-          <a:bodyPr wrap="square" rtlCol="0">
-            <a:spAutoFit/>
-          </a:bodyPr>
-          <a:lstStyle/>
-          <a:p>
-            <a:r>
-              <a:rPr lang="de-DE" sz="4400" dirty="0" err="1" smtClean="0"/>
-              <a:t>RaHM</a:t>
-            </a:r>
-            <a:r>
-              <a:rPr lang="de-DE" sz="4400" dirty="0" smtClean="0"/>
-              <a:t>-Lab:</a:t>
-            </a:r>
-          </a:p>
-          <a:p>
-            <a:r>
-              <a:rPr lang="de-DE" sz="4400" dirty="0" smtClean="0"/>
-              <a:t>Positionsregelung Drohne</a:t>
-            </a:r>
-            <a:endParaRPr lang="de-DE" sz="4400" dirty="0"/>
-          </a:p>
-        </p:txBody>
-      </p:sp>
-      <p:grpSp>
-        <p:nvGrpSpPr>
-          <p:cNvPr id="13" name="Gruppieren 12"/>
-          <p:cNvGrpSpPr/>
-          <p:nvPr/>
-        </p:nvGrpSpPr>
-        <p:grpSpPr>
-          <a:xfrm>
-            <a:off x="4916183" y="13658850"/>
-            <a:ext cx="10080000" cy="900000"/>
-            <a:chOff x="4916183" y="13658850"/>
-            <a:chExt cx="10080000" cy="900000"/>
-          </a:xfrm>
-        </p:grpSpPr>
-        <p:sp>
-          <p:nvSpPr>
-            <p:cNvPr id="4" name="object 4"/>
-            <p:cNvSpPr/>
-            <p:nvPr/>
-          </p:nvSpPr>
-          <p:spPr>
-            <a:xfrm>
-              <a:off x="4916183" y="13658850"/>
-              <a:ext cx="10080000" cy="900000"/>
-            </a:xfrm>
-            <a:custGeom>
-              <a:avLst/>
-              <a:gdLst/>
-              <a:ahLst/>
-              <a:cxnLst/>
-              <a:rect l="l" t="t" r="r" b="b"/>
-              <a:pathLst>
-                <a:path w="10015855" h="807719">
-                  <a:moveTo>
-                    <a:pt x="0" y="807351"/>
-                  </a:moveTo>
-                  <a:lnTo>
-                    <a:pt x="10015334" y="807351"/>
-                  </a:lnTo>
-                  <a:lnTo>
-                    <a:pt x="10015334" y="0"/>
-                  </a:lnTo>
-                  <a:lnTo>
-                    <a:pt x="0" y="0"/>
-                  </a:lnTo>
-                  <a:lnTo>
-                    <a:pt x="0" y="807351"/>
-                  </a:lnTo>
-                  <a:close/>
-                </a:path>
-              </a:pathLst>
-            </a:custGeom>
-            <a:solidFill>
-              <a:srgbClr val="FFFFFF"/>
-            </a:solidFill>
-          </p:spPr>
-          <p:txBody>
-            <a:bodyPr wrap="square" lIns="0" tIns="0" rIns="0" bIns="0" rtlCol="0">
-              <a:spAutoFit/>
-            </a:bodyPr>
-            <a:lstStyle/>
-            <a:p>
-              <a:endParaRPr/>
-            </a:p>
-          </p:txBody>
-        </p:sp>
-        <p:sp>
-          <p:nvSpPr>
-            <p:cNvPr id="7" name="object 7"/>
-            <p:cNvSpPr txBox="1"/>
-            <p:nvPr/>
-          </p:nvSpPr>
-          <p:spPr>
-            <a:xfrm>
-              <a:off x="5960623" y="13924184"/>
-              <a:ext cx="4500000" cy="369332"/>
-            </a:xfrm>
-            <a:prstGeom prst="rect">
-              <a:avLst/>
-            </a:prstGeom>
-          </p:spPr>
-          <p:txBody>
-            <a:bodyPr vert="horz" wrap="square" lIns="0" tIns="0" rIns="0" bIns="0" rtlCol="0">
-              <a:spAutoFit/>
-            </a:bodyPr>
-            <a:lstStyle/>
-            <a:p>
-              <a:pPr marL="12699"/>
-              <a:r>
-                <a:rPr lang="de-DE" sz="2400" b="1" spc="-20" dirty="0">
-                  <a:solidFill>
-                    <a:srgbClr val="546670"/>
-                  </a:solidFill>
-                  <a:latin typeface="Calibri"/>
-                  <a:cs typeface="Calibri"/>
-                </a:rPr>
-                <a:t>Michael Maag, </a:t>
-              </a:r>
-              <a:r>
-                <a:rPr lang="de-DE" sz="2400" b="1" spc="-20" dirty="0">
-                  <a:solidFill>
-                    <a:srgbClr val="546670"/>
-                  </a:solidFill>
-                  <a:latin typeface="Calibri"/>
-                  <a:cs typeface="Calibri"/>
-                </a:rPr>
-                <a:t>TINF19B1</a:t>
-              </a:r>
-              <a:endParaRPr sz="2400" b="1" spc="-20" dirty="0">
-                <a:solidFill>
-                  <a:srgbClr val="546670"/>
-                </a:solidFill>
-                <a:latin typeface="Calibri"/>
-                <a:cs typeface="Calibri"/>
-              </a:endParaRPr>
-            </a:p>
-          </p:txBody>
-        </p:sp>
-        <p:sp>
-          <p:nvSpPr>
-            <p:cNvPr id="12" name="object 7"/>
-            <p:cNvSpPr txBox="1"/>
-            <p:nvPr/>
-          </p:nvSpPr>
-          <p:spPr>
-            <a:xfrm>
-              <a:off x="10460623" y="13924184"/>
-              <a:ext cx="4500000" cy="369332"/>
-            </a:xfrm>
-            <a:prstGeom prst="rect">
-              <a:avLst/>
-            </a:prstGeom>
-          </p:spPr>
-          <p:txBody>
-            <a:bodyPr vert="horz" wrap="square" lIns="0" tIns="0" rIns="0" bIns="0" rtlCol="0">
-              <a:spAutoFit/>
-            </a:bodyPr>
-            <a:lstStyle/>
-            <a:p>
-              <a:pPr marL="12699">
-                <a:spcBef>
-                  <a:spcPts val="370"/>
-                </a:spcBef>
-              </a:pPr>
-              <a:r>
-                <a:rPr lang="de-DE" sz="2400" b="1" spc="-20" dirty="0" smtClean="0">
-                  <a:solidFill>
-                    <a:srgbClr val="546670"/>
-                  </a:solidFill>
-                  <a:latin typeface="Calibri"/>
-                  <a:cs typeface="Calibri"/>
-                </a:rPr>
-                <a:t>Betreuer</a:t>
-              </a:r>
-              <a:r>
-                <a:rPr lang="de-DE" sz="2400" b="1" spc="-20" dirty="0">
-                  <a:solidFill>
-                    <a:srgbClr val="546670"/>
-                  </a:solidFill>
-                  <a:latin typeface="Calibri"/>
-                  <a:cs typeface="Calibri"/>
-                </a:rPr>
-                <a:t>: Herr Strand</a:t>
-              </a:r>
-              <a:endParaRPr sz="2400" dirty="0">
-                <a:latin typeface="Calibri"/>
-                <a:cs typeface="Calibri"/>
-              </a:endParaRPr>
-            </a:p>
-          </p:txBody>
-        </p:sp>
-      </p:grpSp>
-      <p:sp>
-        <p:nvSpPr>
-          <p:cNvPr id="10" name="object 6"/>
-          <p:cNvSpPr txBox="1"/>
-          <p:nvPr/>
-        </p:nvSpPr>
-        <p:spPr>
-          <a:xfrm>
-            <a:off x="2036182" y="4793265"/>
-            <a:ext cx="16967223" cy="492443"/>
-          </a:xfrm>
-          <a:prstGeom prst="rect">
-            <a:avLst/>
-          </a:prstGeom>
-        </p:spPr>
-        <p:txBody>
-          <a:bodyPr vert="horz" wrap="square" lIns="0" tIns="0" rIns="0" bIns="0" rtlCol="0">
-            <a:spAutoFit/>
-          </a:bodyPr>
-          <a:lstStyle/>
-          <a:p>
-            <a:pPr marL="12699" marR="6350"/>
-            <a:r>
-              <a:rPr lang="de-DE" sz="3200" spc="-204" dirty="0" smtClean="0">
-                <a:latin typeface="Arial" panose="020B0604020202020204" pitchFamily="34" charset="0"/>
-                <a:cs typeface="Arial" panose="020B0604020202020204" pitchFamily="34" charset="0"/>
-              </a:rPr>
-              <a:t>(1)  </a:t>
-            </a:r>
-            <a:r>
-              <a:rPr lang="de-DE" sz="3200" dirty="0" smtClean="0">
-                <a:latin typeface="Arial" panose="020B0604020202020204" pitchFamily="34" charset="0"/>
-                <a:cs typeface="Arial" panose="020B0604020202020204" pitchFamily="34" charset="0"/>
-              </a:rPr>
-              <a:t>Labor </a:t>
-            </a:r>
-            <a:r>
-              <a:rPr lang="de-DE" sz="3200" dirty="0">
-                <a:latin typeface="Arial" panose="020B0604020202020204" pitchFamily="34" charset="0"/>
-                <a:cs typeface="Arial" panose="020B0604020202020204" pitchFamily="34" charset="0"/>
-              </a:rPr>
-              <a:t>Prozessautomatisierung „</a:t>
-            </a:r>
-            <a:r>
-              <a:rPr lang="de-DE" sz="3200" dirty="0" err="1">
-                <a:latin typeface="Arial" panose="020B0604020202020204" pitchFamily="34" charset="0"/>
-                <a:cs typeface="Arial" panose="020B0604020202020204" pitchFamily="34" charset="0"/>
-              </a:rPr>
-              <a:t>AR.Drone</a:t>
-            </a:r>
-            <a:r>
-              <a:rPr lang="de-DE" sz="3200" dirty="0">
-                <a:latin typeface="Arial" panose="020B0604020202020204" pitchFamily="34" charset="0"/>
-                <a:cs typeface="Arial" panose="020B0604020202020204" pitchFamily="34" charset="0"/>
-              </a:rPr>
-              <a:t> 2.0“</a:t>
-            </a:r>
-            <a:r>
-              <a:rPr lang="de-DE" sz="3200" spc="-204" dirty="0" smtClean="0">
-                <a:latin typeface="Arial" panose="020B0604020202020204" pitchFamily="34" charset="0"/>
-                <a:cs typeface="Arial" panose="020B0604020202020204" pitchFamily="34" charset="0"/>
-              </a:rPr>
-              <a:t> </a:t>
-            </a:r>
-            <a:endParaRPr sz="3200" dirty="0">
-              <a:latin typeface="Arial" panose="020B0604020202020204" pitchFamily="34" charset="0"/>
-              <a:cs typeface="Arial" panose="020B0604020202020204" pitchFamily="34" charset="0"/>
-            </a:endParaRPr>
-          </a:p>
-        </p:txBody>
-      </p:sp>
-      <p:sp>
-        <p:nvSpPr>
-          <p:cNvPr id="11" name="object 6"/>
-          <p:cNvSpPr txBox="1"/>
-          <p:nvPr/>
-        </p:nvSpPr>
-        <p:spPr>
-          <a:xfrm>
-            <a:off x="2036182" y="5551042"/>
-            <a:ext cx="16967223" cy="492443"/>
-          </a:xfrm>
-          <a:prstGeom prst="rect">
-            <a:avLst/>
-          </a:prstGeom>
-        </p:spPr>
-        <p:txBody>
-          <a:bodyPr vert="horz" wrap="square" lIns="0" tIns="0" rIns="0" bIns="0" rtlCol="0">
-            <a:spAutoFit/>
-          </a:bodyPr>
-          <a:lstStyle/>
-          <a:p>
-            <a:pPr marL="12699" marR="6350"/>
-            <a:r>
-              <a:rPr lang="de-DE" sz="3200" spc="-204" dirty="0" smtClean="0">
-                <a:latin typeface="Arial" panose="020B0604020202020204" pitchFamily="34" charset="0"/>
-                <a:cs typeface="Arial" panose="020B0604020202020204" pitchFamily="34" charset="0"/>
-              </a:rPr>
-              <a:t>(2)  </a:t>
-            </a:r>
-            <a:r>
-              <a:rPr lang="de-DE" sz="3200" spc="-204" dirty="0">
-                <a:latin typeface="Arial" panose="020B0604020202020204" pitchFamily="34" charset="0"/>
-                <a:cs typeface="Arial" panose="020B0604020202020204" pitchFamily="34" charset="0"/>
-              </a:rPr>
-              <a:t>https://clover.coex.tech/en/assemble_4_2.html</a:t>
-            </a:r>
-            <a:endParaRPr sz="3200" dirty="0">
-              <a:latin typeface="Arial" panose="020B0604020202020204" pitchFamily="34" charset="0"/>
-              <a:cs typeface="Arial" panose="020B0604020202020204" pitchFamily="34" charset="0"/>
-            </a:endParaRPr>
-          </a:p>
-        </p:txBody>
-      </p:sp>
-    </p:spTree>
-    <p:extLst>
-      <p:ext uri="{BB962C8B-B14F-4D97-AF65-F5344CB8AC3E}">
-        <p14:creationId xmlns:p14="http://schemas.microsoft.com/office/powerpoint/2010/main" val="3188659225"/>
       </p:ext>
     </p:extLst>
   </p:cSld>
